--- a/Aario-PPT/20160520 IT - Aario's Code Style Guide.pptx
+++ b/Aario-PPT/20160520 IT - Aario's Code Style Guide.pptx
@@ -7,13 +7,14 @@
   <p:sldIdLst>
     <p:sldId id="256" r:id="rId2"/>
     <p:sldId id="258" r:id="rId3"/>
-    <p:sldId id="257" r:id="rId4"/>
-    <p:sldId id="263" r:id="rId5"/>
-    <p:sldId id="264" r:id="rId6"/>
-    <p:sldId id="259" r:id="rId7"/>
-    <p:sldId id="260" r:id="rId8"/>
-    <p:sldId id="262" r:id="rId9"/>
-    <p:sldId id="261" r:id="rId10"/>
+    <p:sldId id="265" r:id="rId4"/>
+    <p:sldId id="257" r:id="rId5"/>
+    <p:sldId id="263" r:id="rId6"/>
+    <p:sldId id="264" r:id="rId7"/>
+    <p:sldId id="259" r:id="rId8"/>
+    <p:sldId id="260" r:id="rId9"/>
+    <p:sldId id="262" r:id="rId10"/>
+    <p:sldId id="261" r:id="rId11"/>
   </p:sldIdLst>
   <p:sldSz cx="9144000" cy="6858000" type="screen4x3"/>
   <p:notesSz cx="6858000" cy="9144000"/>
@@ -169,10 +170,9 @@
           <a:lstStyle/>
           <a:p>
             <a:r>
-              <a:rPr lang="zh-CN" altLang="en-US" smtClean="0"/>
+              <a:rPr lang="zh-CN" altLang="en-US"/>
               <a:t>单击此处编辑母版标题样式</a:t>
             </a:r>
-            <a:endParaRPr lang="zh-CN" altLang="en-US"/>
           </a:p>
         </p:txBody>
       </p:sp>
@@ -288,10 +288,9 @@
           </a:lstStyle>
           <a:p>
             <a:r>
-              <a:rPr lang="zh-CN" altLang="en-US" smtClean="0"/>
+              <a:rPr lang="zh-CN" altLang="en-US"/>
               <a:t>单击此处编辑母版副标题样式</a:t>
             </a:r>
-            <a:endParaRPr lang="zh-CN" altLang="en-US"/>
           </a:p>
         </p:txBody>
       </p:sp>
@@ -312,7 +311,7 @@
           <a:p>
             <a:fld id="{530820CF-B880-4189-942D-D702A7CBA730}" type="datetimeFigureOut">
               <a:rPr lang="zh-CN" altLang="en-US" smtClean="0"/>
-              <a:t>2016/7/28</a:t>
+              <a:t>2016/9/19</a:t>
             </a:fld>
             <a:endParaRPr lang="zh-CN" altLang="en-US"/>
           </a:p>
@@ -401,10 +400,9 @@
           <a:lstStyle/>
           <a:p>
             <a:r>
-              <a:rPr lang="zh-CN" altLang="en-US" smtClean="0"/>
+              <a:rPr lang="zh-CN" altLang="en-US"/>
               <a:t>单击此处编辑母版标题样式</a:t>
             </a:r>
-            <a:endParaRPr lang="zh-CN" altLang="en-US"/>
           </a:p>
         </p:txBody>
       </p:sp>
@@ -425,38 +423,37 @@
           <a:p>
             <a:pPr lvl="0"/>
             <a:r>
-              <a:rPr lang="zh-CN" altLang="en-US" smtClean="0"/>
+              <a:rPr lang="zh-CN" altLang="en-US"/>
               <a:t>单击此处编辑母版文本样式</a:t>
             </a:r>
           </a:p>
           <a:p>
             <a:pPr lvl="1"/>
             <a:r>
-              <a:rPr lang="zh-CN" altLang="en-US" smtClean="0"/>
+              <a:rPr lang="zh-CN" altLang="en-US"/>
               <a:t>第二级</a:t>
             </a:r>
           </a:p>
           <a:p>
             <a:pPr lvl="2"/>
             <a:r>
-              <a:rPr lang="zh-CN" altLang="en-US" smtClean="0"/>
+              <a:rPr lang="zh-CN" altLang="en-US"/>
               <a:t>第三级</a:t>
             </a:r>
           </a:p>
           <a:p>
             <a:pPr lvl="3"/>
             <a:r>
-              <a:rPr lang="zh-CN" altLang="en-US" smtClean="0"/>
+              <a:rPr lang="zh-CN" altLang="en-US"/>
               <a:t>第四级</a:t>
             </a:r>
           </a:p>
           <a:p>
             <a:pPr lvl="4"/>
             <a:r>
-              <a:rPr lang="zh-CN" altLang="en-US" smtClean="0"/>
+              <a:rPr lang="zh-CN" altLang="en-US"/>
               <a:t>第五级</a:t>
             </a:r>
-            <a:endParaRPr lang="zh-CN" altLang="en-US"/>
           </a:p>
         </p:txBody>
       </p:sp>
@@ -477,7 +474,7 @@
           <a:p>
             <a:fld id="{530820CF-B880-4189-942D-D702A7CBA730}" type="datetimeFigureOut">
               <a:rPr lang="zh-CN" altLang="en-US" smtClean="0"/>
-              <a:t>2016/7/28</a:t>
+              <a:t>2016/9/19</a:t>
             </a:fld>
             <a:endParaRPr lang="zh-CN" altLang="en-US"/>
           </a:p>
@@ -571,10 +568,9 @@
           <a:lstStyle/>
           <a:p>
             <a:r>
-              <a:rPr lang="zh-CN" altLang="en-US" smtClean="0"/>
+              <a:rPr lang="zh-CN" altLang="en-US"/>
               <a:t>单击此处编辑母版标题样式</a:t>
             </a:r>
-            <a:endParaRPr lang="zh-CN" altLang="en-US"/>
           </a:p>
         </p:txBody>
       </p:sp>
@@ -600,38 +596,37 @@
           <a:p>
             <a:pPr lvl="0"/>
             <a:r>
-              <a:rPr lang="zh-CN" altLang="en-US" smtClean="0"/>
+              <a:rPr lang="zh-CN" altLang="en-US"/>
               <a:t>单击此处编辑母版文本样式</a:t>
             </a:r>
           </a:p>
           <a:p>
             <a:pPr lvl="1"/>
             <a:r>
-              <a:rPr lang="zh-CN" altLang="en-US" smtClean="0"/>
+              <a:rPr lang="zh-CN" altLang="en-US"/>
               <a:t>第二级</a:t>
             </a:r>
           </a:p>
           <a:p>
             <a:pPr lvl="2"/>
             <a:r>
-              <a:rPr lang="zh-CN" altLang="en-US" smtClean="0"/>
+              <a:rPr lang="zh-CN" altLang="en-US"/>
               <a:t>第三级</a:t>
             </a:r>
           </a:p>
           <a:p>
             <a:pPr lvl="3"/>
             <a:r>
-              <a:rPr lang="zh-CN" altLang="en-US" smtClean="0"/>
+              <a:rPr lang="zh-CN" altLang="en-US"/>
               <a:t>第四级</a:t>
             </a:r>
           </a:p>
           <a:p>
             <a:pPr lvl="4"/>
             <a:r>
-              <a:rPr lang="zh-CN" altLang="en-US" smtClean="0"/>
+              <a:rPr lang="zh-CN" altLang="en-US"/>
               <a:t>第五级</a:t>
             </a:r>
-            <a:endParaRPr lang="zh-CN" altLang="en-US"/>
           </a:p>
         </p:txBody>
       </p:sp>
@@ -652,7 +647,7 @@
           <a:p>
             <a:fld id="{530820CF-B880-4189-942D-D702A7CBA730}" type="datetimeFigureOut">
               <a:rPr lang="zh-CN" altLang="en-US" smtClean="0"/>
-              <a:t>2016/7/28</a:t>
+              <a:t>2016/9/19</a:t>
             </a:fld>
             <a:endParaRPr lang="zh-CN" altLang="en-US"/>
           </a:p>
@@ -741,10 +736,9 @@
           <a:lstStyle/>
           <a:p>
             <a:r>
-              <a:rPr lang="zh-CN" altLang="en-US" smtClean="0"/>
+              <a:rPr lang="zh-CN" altLang="en-US"/>
               <a:t>单击此处编辑母版标题样式</a:t>
             </a:r>
-            <a:endParaRPr lang="zh-CN" altLang="en-US"/>
           </a:p>
         </p:txBody>
       </p:sp>
@@ -765,38 +759,37 @@
           <a:p>
             <a:pPr lvl="0"/>
             <a:r>
-              <a:rPr lang="zh-CN" altLang="en-US" smtClean="0"/>
+              <a:rPr lang="zh-CN" altLang="en-US"/>
               <a:t>单击此处编辑母版文本样式</a:t>
             </a:r>
           </a:p>
           <a:p>
             <a:pPr lvl="1"/>
             <a:r>
-              <a:rPr lang="zh-CN" altLang="en-US" smtClean="0"/>
+              <a:rPr lang="zh-CN" altLang="en-US"/>
               <a:t>第二级</a:t>
             </a:r>
           </a:p>
           <a:p>
             <a:pPr lvl="2"/>
             <a:r>
-              <a:rPr lang="zh-CN" altLang="en-US" smtClean="0"/>
+              <a:rPr lang="zh-CN" altLang="en-US"/>
               <a:t>第三级</a:t>
             </a:r>
           </a:p>
           <a:p>
             <a:pPr lvl="3"/>
             <a:r>
-              <a:rPr lang="zh-CN" altLang="en-US" smtClean="0"/>
+              <a:rPr lang="zh-CN" altLang="en-US"/>
               <a:t>第四级</a:t>
             </a:r>
           </a:p>
           <a:p>
             <a:pPr lvl="4"/>
             <a:r>
-              <a:rPr lang="zh-CN" altLang="en-US" smtClean="0"/>
+              <a:rPr lang="zh-CN" altLang="en-US"/>
               <a:t>第五级</a:t>
             </a:r>
-            <a:endParaRPr lang="zh-CN" altLang="en-US"/>
           </a:p>
         </p:txBody>
       </p:sp>
@@ -817,7 +810,7 @@
           <a:p>
             <a:fld id="{530820CF-B880-4189-942D-D702A7CBA730}" type="datetimeFigureOut">
               <a:rPr lang="zh-CN" altLang="en-US" smtClean="0"/>
-              <a:t>2016/7/28</a:t>
+              <a:t>2016/9/19</a:t>
             </a:fld>
             <a:endParaRPr lang="zh-CN" altLang="en-US"/>
           </a:p>
@@ -915,10 +908,9 @@
           </a:lstStyle>
           <a:p>
             <a:r>
-              <a:rPr lang="zh-CN" altLang="en-US" smtClean="0"/>
+              <a:rPr lang="zh-CN" altLang="en-US"/>
               <a:t>单击此处编辑母版标题样式</a:t>
             </a:r>
-            <a:endParaRPr lang="zh-CN" altLang="en-US"/>
           </a:p>
         </p:txBody>
       </p:sp>
@@ -1035,7 +1027,7 @@
           <a:p>
             <a:pPr lvl="0"/>
             <a:r>
-              <a:rPr lang="zh-CN" altLang="en-US" smtClean="0"/>
+              <a:rPr lang="zh-CN" altLang="en-US"/>
               <a:t>单击此处编辑母版文本样式</a:t>
             </a:r>
           </a:p>
@@ -1058,7 +1050,7 @@
           <a:p>
             <a:fld id="{530820CF-B880-4189-942D-D702A7CBA730}" type="datetimeFigureOut">
               <a:rPr lang="zh-CN" altLang="en-US" smtClean="0"/>
-              <a:t>2016/7/28</a:t>
+              <a:t>2016/9/19</a:t>
             </a:fld>
             <a:endParaRPr lang="zh-CN" altLang="en-US"/>
           </a:p>
@@ -1147,10 +1139,9 @@
           <a:lstStyle/>
           <a:p>
             <a:r>
-              <a:rPr lang="zh-CN" altLang="en-US" smtClean="0"/>
+              <a:rPr lang="zh-CN" altLang="en-US"/>
               <a:t>单击此处编辑母版标题样式</a:t>
             </a:r>
-            <a:endParaRPr lang="zh-CN" altLang="en-US"/>
           </a:p>
         </p:txBody>
       </p:sp>
@@ -1204,38 +1195,37 @@
           <a:p>
             <a:pPr lvl="0"/>
             <a:r>
-              <a:rPr lang="zh-CN" altLang="en-US" smtClean="0"/>
+              <a:rPr lang="zh-CN" altLang="en-US"/>
               <a:t>单击此处编辑母版文本样式</a:t>
             </a:r>
           </a:p>
           <a:p>
             <a:pPr lvl="1"/>
             <a:r>
-              <a:rPr lang="zh-CN" altLang="en-US" smtClean="0"/>
+              <a:rPr lang="zh-CN" altLang="en-US"/>
               <a:t>第二级</a:t>
             </a:r>
           </a:p>
           <a:p>
             <a:pPr lvl="2"/>
             <a:r>
-              <a:rPr lang="zh-CN" altLang="en-US" smtClean="0"/>
+              <a:rPr lang="zh-CN" altLang="en-US"/>
               <a:t>第三级</a:t>
             </a:r>
           </a:p>
           <a:p>
             <a:pPr lvl="3"/>
             <a:r>
-              <a:rPr lang="zh-CN" altLang="en-US" smtClean="0"/>
+              <a:rPr lang="zh-CN" altLang="en-US"/>
               <a:t>第四级</a:t>
             </a:r>
           </a:p>
           <a:p>
             <a:pPr lvl="4"/>
             <a:r>
-              <a:rPr lang="zh-CN" altLang="en-US" smtClean="0"/>
+              <a:rPr lang="zh-CN" altLang="en-US"/>
               <a:t>第五级</a:t>
             </a:r>
-            <a:endParaRPr lang="zh-CN" altLang="en-US"/>
           </a:p>
         </p:txBody>
       </p:sp>
@@ -1289,38 +1279,37 @@
           <a:p>
             <a:pPr lvl="0"/>
             <a:r>
-              <a:rPr lang="zh-CN" altLang="en-US" smtClean="0"/>
+              <a:rPr lang="zh-CN" altLang="en-US"/>
               <a:t>单击此处编辑母版文本样式</a:t>
             </a:r>
           </a:p>
           <a:p>
             <a:pPr lvl="1"/>
             <a:r>
-              <a:rPr lang="zh-CN" altLang="en-US" smtClean="0"/>
+              <a:rPr lang="zh-CN" altLang="en-US"/>
               <a:t>第二级</a:t>
             </a:r>
           </a:p>
           <a:p>
             <a:pPr lvl="2"/>
             <a:r>
-              <a:rPr lang="zh-CN" altLang="en-US" smtClean="0"/>
+              <a:rPr lang="zh-CN" altLang="en-US"/>
               <a:t>第三级</a:t>
             </a:r>
           </a:p>
           <a:p>
             <a:pPr lvl="3"/>
             <a:r>
-              <a:rPr lang="zh-CN" altLang="en-US" smtClean="0"/>
+              <a:rPr lang="zh-CN" altLang="en-US"/>
               <a:t>第四级</a:t>
             </a:r>
           </a:p>
           <a:p>
             <a:pPr lvl="4"/>
             <a:r>
-              <a:rPr lang="zh-CN" altLang="en-US" smtClean="0"/>
+              <a:rPr lang="zh-CN" altLang="en-US"/>
               <a:t>第五级</a:t>
             </a:r>
-            <a:endParaRPr lang="zh-CN" altLang="en-US"/>
           </a:p>
         </p:txBody>
       </p:sp>
@@ -1341,7 +1330,7 @@
           <a:p>
             <a:fld id="{530820CF-B880-4189-942D-D702A7CBA730}" type="datetimeFigureOut">
               <a:rPr lang="zh-CN" altLang="en-US" smtClean="0"/>
-              <a:t>2016/7/28</a:t>
+              <a:t>2016/9/19</a:t>
             </a:fld>
             <a:endParaRPr lang="zh-CN" altLang="en-US"/>
           </a:p>
@@ -1434,10 +1423,9 @@
           </a:lstStyle>
           <a:p>
             <a:r>
-              <a:rPr lang="zh-CN" altLang="en-US" smtClean="0"/>
+              <a:rPr lang="zh-CN" altLang="en-US"/>
               <a:t>单击此处编辑母版标题样式</a:t>
             </a:r>
-            <a:endParaRPr lang="zh-CN" altLang="en-US"/>
           </a:p>
         </p:txBody>
       </p:sp>
@@ -1500,7 +1488,7 @@
           <a:p>
             <a:pPr lvl="0"/>
             <a:r>
-              <a:rPr lang="zh-CN" altLang="en-US" smtClean="0"/>
+              <a:rPr lang="zh-CN" altLang="en-US"/>
               <a:t>单击此处编辑母版文本样式</a:t>
             </a:r>
           </a:p>
@@ -1556,38 +1544,37 @@
           <a:p>
             <a:pPr lvl="0"/>
             <a:r>
-              <a:rPr lang="zh-CN" altLang="en-US" smtClean="0"/>
+              <a:rPr lang="zh-CN" altLang="en-US"/>
               <a:t>单击此处编辑母版文本样式</a:t>
             </a:r>
           </a:p>
           <a:p>
             <a:pPr lvl="1"/>
             <a:r>
-              <a:rPr lang="zh-CN" altLang="en-US" smtClean="0"/>
+              <a:rPr lang="zh-CN" altLang="en-US"/>
               <a:t>第二级</a:t>
             </a:r>
           </a:p>
           <a:p>
             <a:pPr lvl="2"/>
             <a:r>
-              <a:rPr lang="zh-CN" altLang="en-US" smtClean="0"/>
+              <a:rPr lang="zh-CN" altLang="en-US"/>
               <a:t>第三级</a:t>
             </a:r>
           </a:p>
           <a:p>
             <a:pPr lvl="3"/>
             <a:r>
-              <a:rPr lang="zh-CN" altLang="en-US" smtClean="0"/>
+              <a:rPr lang="zh-CN" altLang="en-US"/>
               <a:t>第四级</a:t>
             </a:r>
           </a:p>
           <a:p>
             <a:pPr lvl="4"/>
             <a:r>
-              <a:rPr lang="zh-CN" altLang="en-US" smtClean="0"/>
+              <a:rPr lang="zh-CN" altLang="en-US"/>
               <a:t>第五级</a:t>
             </a:r>
-            <a:endParaRPr lang="zh-CN" altLang="en-US"/>
           </a:p>
         </p:txBody>
       </p:sp>
@@ -1650,7 +1637,7 @@
           <a:p>
             <a:pPr lvl="0"/>
             <a:r>
-              <a:rPr lang="zh-CN" altLang="en-US" smtClean="0"/>
+              <a:rPr lang="zh-CN" altLang="en-US"/>
               <a:t>单击此处编辑母版文本样式</a:t>
             </a:r>
           </a:p>
@@ -1706,38 +1693,37 @@
           <a:p>
             <a:pPr lvl="0"/>
             <a:r>
-              <a:rPr lang="zh-CN" altLang="en-US" smtClean="0"/>
+              <a:rPr lang="zh-CN" altLang="en-US"/>
               <a:t>单击此处编辑母版文本样式</a:t>
             </a:r>
           </a:p>
           <a:p>
             <a:pPr lvl="1"/>
             <a:r>
-              <a:rPr lang="zh-CN" altLang="en-US" smtClean="0"/>
+              <a:rPr lang="zh-CN" altLang="en-US"/>
               <a:t>第二级</a:t>
             </a:r>
           </a:p>
           <a:p>
             <a:pPr lvl="2"/>
             <a:r>
-              <a:rPr lang="zh-CN" altLang="en-US" smtClean="0"/>
+              <a:rPr lang="zh-CN" altLang="en-US"/>
               <a:t>第三级</a:t>
             </a:r>
           </a:p>
           <a:p>
             <a:pPr lvl="3"/>
             <a:r>
-              <a:rPr lang="zh-CN" altLang="en-US" smtClean="0"/>
+              <a:rPr lang="zh-CN" altLang="en-US"/>
               <a:t>第四级</a:t>
             </a:r>
           </a:p>
           <a:p>
             <a:pPr lvl="4"/>
             <a:r>
-              <a:rPr lang="zh-CN" altLang="en-US" smtClean="0"/>
+              <a:rPr lang="zh-CN" altLang="en-US"/>
               <a:t>第五级</a:t>
             </a:r>
-            <a:endParaRPr lang="zh-CN" altLang="en-US"/>
           </a:p>
         </p:txBody>
       </p:sp>
@@ -1758,7 +1744,7 @@
           <a:p>
             <a:fld id="{530820CF-B880-4189-942D-D702A7CBA730}" type="datetimeFigureOut">
               <a:rPr lang="zh-CN" altLang="en-US" smtClean="0"/>
-              <a:t>2016/7/28</a:t>
+              <a:t>2016/9/19</a:t>
             </a:fld>
             <a:endParaRPr lang="zh-CN" altLang="en-US"/>
           </a:p>
@@ -1847,10 +1833,9 @@
           <a:lstStyle/>
           <a:p>
             <a:r>
-              <a:rPr lang="zh-CN" altLang="en-US" smtClean="0"/>
+              <a:rPr lang="zh-CN" altLang="en-US"/>
               <a:t>单击此处编辑母版标题样式</a:t>
             </a:r>
-            <a:endParaRPr lang="zh-CN" altLang="en-US"/>
           </a:p>
         </p:txBody>
       </p:sp>
@@ -1871,7 +1856,7 @@
           <a:p>
             <a:fld id="{530820CF-B880-4189-942D-D702A7CBA730}" type="datetimeFigureOut">
               <a:rPr lang="zh-CN" altLang="en-US" smtClean="0"/>
-              <a:t>2016/7/28</a:t>
+              <a:t>2016/9/19</a:t>
             </a:fld>
             <a:endParaRPr lang="zh-CN" altLang="en-US"/>
           </a:p>
@@ -1961,7 +1946,7 @@
           <a:p>
             <a:fld id="{530820CF-B880-4189-942D-D702A7CBA730}" type="datetimeFigureOut">
               <a:rPr lang="zh-CN" altLang="en-US" smtClean="0"/>
-              <a:t>2016/7/28</a:t>
+              <a:t>2016/9/19</a:t>
             </a:fld>
             <a:endParaRPr lang="zh-CN" altLang="en-US"/>
           </a:p>
@@ -2059,10 +2044,9 @@
           </a:lstStyle>
           <a:p>
             <a:r>
-              <a:rPr lang="zh-CN" altLang="en-US" smtClean="0"/>
+              <a:rPr lang="zh-CN" altLang="en-US"/>
               <a:t>单击此处编辑母版标题样式</a:t>
             </a:r>
-            <a:endParaRPr lang="zh-CN" altLang="en-US"/>
           </a:p>
         </p:txBody>
       </p:sp>
@@ -2116,38 +2100,37 @@
           <a:p>
             <a:pPr lvl="0"/>
             <a:r>
-              <a:rPr lang="zh-CN" altLang="en-US" smtClean="0"/>
+              <a:rPr lang="zh-CN" altLang="en-US"/>
               <a:t>单击此处编辑母版文本样式</a:t>
             </a:r>
           </a:p>
           <a:p>
             <a:pPr lvl="1"/>
             <a:r>
-              <a:rPr lang="zh-CN" altLang="en-US" smtClean="0"/>
+              <a:rPr lang="zh-CN" altLang="en-US"/>
               <a:t>第二级</a:t>
             </a:r>
           </a:p>
           <a:p>
             <a:pPr lvl="2"/>
             <a:r>
-              <a:rPr lang="zh-CN" altLang="en-US" smtClean="0"/>
+              <a:rPr lang="zh-CN" altLang="en-US"/>
               <a:t>第三级</a:t>
             </a:r>
           </a:p>
           <a:p>
             <a:pPr lvl="3"/>
             <a:r>
-              <a:rPr lang="zh-CN" altLang="en-US" smtClean="0"/>
+              <a:rPr lang="zh-CN" altLang="en-US"/>
               <a:t>第四级</a:t>
             </a:r>
           </a:p>
           <a:p>
             <a:pPr lvl="4"/>
             <a:r>
-              <a:rPr lang="zh-CN" altLang="en-US" smtClean="0"/>
+              <a:rPr lang="zh-CN" altLang="en-US"/>
               <a:t>第五级</a:t>
             </a:r>
-            <a:endParaRPr lang="zh-CN" altLang="en-US"/>
           </a:p>
         </p:txBody>
       </p:sp>
@@ -2210,7 +2193,7 @@
           <a:p>
             <a:pPr lvl="0"/>
             <a:r>
-              <a:rPr lang="zh-CN" altLang="en-US" smtClean="0"/>
+              <a:rPr lang="zh-CN" altLang="en-US"/>
               <a:t>单击此处编辑母版文本样式</a:t>
             </a:r>
           </a:p>
@@ -2233,7 +2216,7 @@
           <a:p>
             <a:fld id="{530820CF-B880-4189-942D-D702A7CBA730}" type="datetimeFigureOut">
               <a:rPr lang="zh-CN" altLang="en-US" smtClean="0"/>
-              <a:t>2016/7/28</a:t>
+              <a:t>2016/9/19</a:t>
             </a:fld>
             <a:endParaRPr lang="zh-CN" altLang="en-US"/>
           </a:p>
@@ -2331,10 +2314,9 @@
           </a:lstStyle>
           <a:p>
             <a:r>
-              <a:rPr lang="zh-CN" altLang="en-US" smtClean="0"/>
+              <a:rPr lang="zh-CN" altLang="en-US"/>
               <a:t>单击此处编辑母版标题样式</a:t>
             </a:r>
-            <a:endParaRPr lang="zh-CN" altLang="en-US"/>
           </a:p>
         </p:txBody>
       </p:sp>
@@ -2458,7 +2440,7 @@
           <a:p>
             <a:pPr lvl="0"/>
             <a:r>
-              <a:rPr lang="zh-CN" altLang="en-US" smtClean="0"/>
+              <a:rPr lang="zh-CN" altLang="en-US"/>
               <a:t>单击此处编辑母版文本样式</a:t>
             </a:r>
           </a:p>
@@ -2481,7 +2463,7 @@
           <a:p>
             <a:fld id="{530820CF-B880-4189-942D-D702A7CBA730}" type="datetimeFigureOut">
               <a:rPr lang="zh-CN" altLang="en-US" smtClean="0"/>
-              <a:t>2016/7/28</a:t>
+              <a:t>2016/9/19</a:t>
             </a:fld>
             <a:endParaRPr lang="zh-CN" altLang="en-US"/>
           </a:p>
@@ -2585,10 +2567,9 @@
           <a:lstStyle/>
           <a:p>
             <a:r>
-              <a:rPr lang="zh-CN" altLang="en-US" smtClean="0"/>
+              <a:rPr lang="zh-CN" altLang="en-US"/>
               <a:t>单击此处编辑母版标题样式</a:t>
             </a:r>
-            <a:endParaRPr lang="zh-CN" altLang="en-US"/>
           </a:p>
         </p:txBody>
       </p:sp>
@@ -2619,38 +2600,37 @@
           <a:p>
             <a:pPr lvl="0"/>
             <a:r>
-              <a:rPr lang="zh-CN" altLang="en-US" smtClean="0"/>
+              <a:rPr lang="zh-CN" altLang="en-US"/>
               <a:t>单击此处编辑母版文本样式</a:t>
             </a:r>
           </a:p>
           <a:p>
             <a:pPr lvl="1"/>
             <a:r>
-              <a:rPr lang="zh-CN" altLang="en-US" smtClean="0"/>
+              <a:rPr lang="zh-CN" altLang="en-US"/>
               <a:t>第二级</a:t>
             </a:r>
           </a:p>
           <a:p>
             <a:pPr lvl="2"/>
             <a:r>
-              <a:rPr lang="zh-CN" altLang="en-US" smtClean="0"/>
+              <a:rPr lang="zh-CN" altLang="en-US"/>
               <a:t>第三级</a:t>
             </a:r>
           </a:p>
           <a:p>
             <a:pPr lvl="3"/>
             <a:r>
-              <a:rPr lang="zh-CN" altLang="en-US" smtClean="0"/>
+              <a:rPr lang="zh-CN" altLang="en-US"/>
               <a:t>第四级</a:t>
             </a:r>
           </a:p>
           <a:p>
             <a:pPr lvl="4"/>
             <a:r>
-              <a:rPr lang="zh-CN" altLang="en-US" smtClean="0"/>
+              <a:rPr lang="zh-CN" altLang="en-US"/>
               <a:t>第五级</a:t>
             </a:r>
-            <a:endParaRPr lang="zh-CN" altLang="en-US"/>
           </a:p>
         </p:txBody>
       </p:sp>
@@ -2689,7 +2669,7 @@
           <a:p>
             <a:fld id="{530820CF-B880-4189-942D-D702A7CBA730}" type="datetimeFigureOut">
               <a:rPr lang="zh-CN" altLang="en-US" smtClean="0"/>
-              <a:t>2016/7/28</a:t>
+              <a:t>2016/9/19</a:t>
             </a:fld>
             <a:endParaRPr lang="zh-CN" altLang="en-US"/>
           </a:p>
@@ -3075,11 +3055,11 @@
           <a:lstStyle/>
           <a:p>
             <a:r>
-              <a:rPr lang="en-US" altLang="zh-CN" dirty="0" err="1" smtClean="0"/>
+              <a:rPr lang="en-US" altLang="zh-CN" dirty="0" err="1"/>
               <a:t>Aario’s</a:t>
             </a:r>
             <a:r>
-              <a:rPr lang="en-US" altLang="zh-CN" dirty="0" smtClean="0"/>
+              <a:rPr lang="en-US" altLang="zh-CN" dirty="0"/>
               <a:t> Code Style Guide</a:t>
             </a:r>
             <a:endParaRPr lang="zh-CN" altLang="en-US" dirty="0"/>
@@ -3109,7 +3089,7 @@
           <a:lstStyle/>
           <a:p>
             <a:r>
-              <a:rPr lang="en-US" altLang="zh-CN" sz="1600" dirty="0" smtClean="0">
+              <a:rPr lang="en-US" altLang="zh-CN" sz="1600" dirty="0">
                 <a:latin typeface="Microsoft JhengHei Light" pitchFamily="34" charset="-120"/>
                 <a:ea typeface="Microsoft JhengHei Light" pitchFamily="34" charset="-120"/>
               </a:rPr>
@@ -3126,6 +3106,68 @@
     <p:extLst>
       <p:ext uri="{BB962C8B-B14F-4D97-AF65-F5344CB8AC3E}">
         <p14:creationId xmlns:p14="http://schemas.microsoft.com/office/powerpoint/2010/main" val="826725404"/>
+      </p:ext>
+    </p:extLst>
+  </p:cSld>
+  <p:clrMapOvr>
+    <a:masterClrMapping/>
+  </p:clrMapOvr>
+</p:sld>
+</file>
+
+<file path=ppt/slides/slide10.xml><?xml version="1.0" encoding="utf-8"?>
+<p:sld xmlns:a="http://schemas.openxmlformats.org/drawingml/2006/main" xmlns:r="http://schemas.openxmlformats.org/officeDocument/2006/relationships" xmlns:p="http://schemas.openxmlformats.org/presentationml/2006/main">
+  <p:cSld>
+    <p:spTree>
+      <p:nvGrpSpPr>
+        <p:cNvPr id="1" name=""/>
+        <p:cNvGrpSpPr/>
+        <p:nvPr/>
+      </p:nvGrpSpPr>
+      <p:grpSpPr>
+        <a:xfrm>
+          <a:off x="0" y="0"/>
+          <a:ext cx="0" cy="0"/>
+          <a:chOff x="0" y="0"/>
+          <a:chExt cx="0" cy="0"/>
+        </a:xfrm>
+      </p:grpSpPr>
+      <p:sp>
+        <p:nvSpPr>
+          <p:cNvPr id="2" name="标题 1"/>
+          <p:cNvSpPr>
+            <a:spLocks noGrp="1"/>
+          </p:cNvSpPr>
+          <p:nvPr>
+            <p:ph type="title"/>
+          </p:nvPr>
+        </p:nvSpPr>
+        <p:spPr>
+          <a:xfrm>
+            <a:off x="611560" y="2276872"/>
+            <a:ext cx="8229600" cy="1143000"/>
+          </a:xfrm>
+        </p:spPr>
+        <p:txBody>
+          <a:bodyPr/>
+          <a:lstStyle/>
+          <a:p>
+            <a:r>
+              <a:rPr lang="en-US" altLang="zh-CN" dirty="0"/>
+              <a:t>Thanks, by </a:t>
+            </a:r>
+            <a:r>
+              <a:rPr lang="en-US" altLang="zh-CN" dirty="0" err="1"/>
+              <a:t>Aario</a:t>
+            </a:r>
+            <a:endParaRPr lang="zh-CN" altLang="en-US" dirty="0"/>
+          </a:p>
+        </p:txBody>
+      </p:sp>
+    </p:spTree>
+    <p:extLst>
+      <p:ext uri="{BB962C8B-B14F-4D97-AF65-F5344CB8AC3E}">
+        <p14:creationId xmlns:p14="http://schemas.microsoft.com/office/powerpoint/2010/main" val="3230472458"/>
       </p:ext>
     </p:extLst>
   </p:cSld>
@@ -3215,126 +3257,94 @@
           <a:lstStyle/>
           <a:p>
             <a:r>
-              <a:rPr lang="en-US" altLang="zh-CN" sz="2000" dirty="0" smtClean="0">
-                <a:ea typeface="微软雅黑 Light" pitchFamily="34" charset="-122"/>
-              </a:rPr>
-              <a:t>This guide is based on the Google Code </a:t>
-            </a:r>
-            <a:r>
               <a:rPr lang="en-US" altLang="zh-CN" sz="2000" dirty="0">
                 <a:ea typeface="微软雅黑 Light" pitchFamily="34" charset="-122"/>
               </a:rPr>
-              <a:t>S</a:t>
-            </a:r>
-            <a:r>
-              <a:rPr lang="en-US" altLang="zh-CN" sz="2000" dirty="0" smtClean="0">
+              <a:t>This guide is based on the Google Code Style Guide and </a:t>
+            </a:r>
+            <a:r>
+              <a:rPr lang="en-US" altLang="zh-CN" sz="2000" dirty="0" err="1">
                 <a:ea typeface="微软雅黑 Light" pitchFamily="34" charset="-122"/>
               </a:rPr>
-              <a:t>tyle Guide and </a:t>
-            </a:r>
-            <a:r>
-              <a:rPr lang="en-US" altLang="zh-CN" sz="2000" dirty="0" err="1" smtClean="0">
+              <a:t>Aario’s</a:t>
+            </a:r>
+            <a:r>
+              <a:rPr lang="en-US" altLang="zh-CN" sz="2000" dirty="0">
                 <a:ea typeface="微软雅黑 Light" pitchFamily="34" charset="-122"/>
               </a:rPr>
-              <a:t>Aario’s</a:t>
-            </a:r>
-            <a:r>
-              <a:rPr lang="en-US" altLang="zh-CN" sz="2000" dirty="0" smtClean="0">
+              <a:t> personal experience. It’s a guide to PHP, C/C++, Shell, </a:t>
+            </a:r>
+            <a:r>
+              <a:rPr lang="en-US" altLang="zh-CN" sz="2000" dirty="0" err="1">
                 <a:ea typeface="微软雅黑 Light" pitchFamily="34" charset="-122"/>
               </a:rPr>
-              <a:t> personal experience. It’s a guide to PHP, C/C++, Shell, </a:t>
-            </a:r>
-            <a:r>
-              <a:rPr lang="en-US" altLang="zh-CN" sz="2000" dirty="0" err="1" smtClean="0">
+              <a:t>Javascript</a:t>
+            </a:r>
+            <a:r>
+              <a:rPr lang="en-US" altLang="zh-CN" sz="2000" dirty="0">
                 <a:ea typeface="微软雅黑 Light" pitchFamily="34" charset="-122"/>
               </a:rPr>
-              <a:t>Javascript</a:t>
-            </a:r>
-            <a:r>
-              <a:rPr lang="en-US" altLang="zh-CN" sz="2000" dirty="0" smtClean="0">
-                <a:ea typeface="微软雅黑 Light" pitchFamily="34" charset="-122"/>
-              </a:rPr>
               <a:t>, Swift, and so on.</a:t>
             </a:r>
           </a:p>
           <a:p>
-            <a:endParaRPr lang="en-US" altLang="zh-CN" sz="2000" dirty="0" smtClean="0">
+            <a:endParaRPr lang="en-US" altLang="zh-CN" sz="2000" dirty="0">
               <a:ea typeface="微软雅黑 Light" pitchFamily="34" charset="-122"/>
             </a:endParaRPr>
           </a:p>
           <a:p>
             <a:r>
-              <a:rPr lang="en-US" altLang="zh-CN" sz="2000" dirty="0" smtClean="0">
+              <a:rPr lang="en-US" altLang="zh-CN" sz="2000" dirty="0">
                 <a:ea typeface="微软雅黑 Light" pitchFamily="34" charset="-122"/>
               </a:rPr>
               <a:t>The purpose of this guide is to help partners, but not to restrict them.</a:t>
             </a:r>
           </a:p>
           <a:p>
-            <a:endParaRPr lang="en-US" altLang="zh-CN" sz="2000" dirty="0" smtClean="0">
+            <a:endParaRPr lang="en-US" altLang="zh-CN" sz="2000" dirty="0">
               <a:ea typeface="微软雅黑 Light" pitchFamily="34" charset="-122"/>
             </a:endParaRPr>
           </a:p>
           <a:p>
             <a:r>
-              <a:rPr lang="en-US" altLang="zh-CN" sz="2000" dirty="0" smtClean="0">
+              <a:rPr lang="en-US" altLang="zh-CN" sz="2000" dirty="0">
                 <a:ea typeface="微软雅黑 Light" pitchFamily="34" charset="-122"/>
               </a:rPr>
               <a:t>This guide will not restrict the personal code habits that don’t bother other cooperators.</a:t>
             </a:r>
           </a:p>
           <a:p>
-            <a:endParaRPr lang="en-US" altLang="zh-CN" sz="2000" dirty="0" smtClean="0">
+            <a:endParaRPr lang="en-US" altLang="zh-CN" sz="2000" dirty="0">
               <a:ea typeface="微软雅黑 Light" pitchFamily="34" charset="-122"/>
             </a:endParaRPr>
           </a:p>
           <a:p>
             <a:r>
-              <a:rPr lang="en-US" altLang="zh-CN" sz="2000" dirty="0" smtClean="0">
-                <a:ea typeface="微软雅黑 Light" pitchFamily="34" charset="-122"/>
-              </a:rPr>
-              <a:t>Code </a:t>
-            </a:r>
-            <a:r>
               <a:rPr lang="en-US" altLang="zh-CN" sz="2000" dirty="0">
                 <a:ea typeface="微软雅黑 Light" pitchFamily="34" charset="-122"/>
               </a:rPr>
-              <a:t>Style Guide Of Google </a:t>
-            </a:r>
-            <a:r>
-              <a:rPr lang="zh-CN" altLang="en-US" sz="2000" dirty="0" smtClean="0">
+              <a:t>Code Style Guide Of Google </a:t>
+            </a:r>
+            <a:r>
+              <a:rPr lang="zh-CN" altLang="en-US" sz="2000" dirty="0">
                 <a:ea typeface="微软雅黑 Light" pitchFamily="34" charset="-122"/>
               </a:rPr>
               <a:t>：</a:t>
             </a:r>
-            <a:endParaRPr lang="en-US" altLang="zh-CN" sz="2000" dirty="0" smtClean="0">
+            <a:endParaRPr lang="en-US" altLang="zh-CN" sz="2000" dirty="0">
               <a:ea typeface="微软雅黑 Light" pitchFamily="34" charset="-122"/>
               <a:hlinkClick r:id="rId3"/>
             </a:endParaRPr>
           </a:p>
           <a:p>
             <a:r>
-              <a:rPr lang="en-US" altLang="zh-CN" sz="2000" dirty="0" smtClean="0">
-                <a:ea typeface="微软雅黑 Light" pitchFamily="34" charset="-122"/>
-                <a:hlinkClick r:id="rId3"/>
-              </a:rPr>
-              <a:t>https</a:t>
-            </a:r>
-            <a:r>
               <a:rPr lang="en-US" altLang="zh-CN" sz="2000" dirty="0">
                 <a:ea typeface="微软雅黑 Light" pitchFamily="34" charset="-122"/>
                 <a:hlinkClick r:id="rId3"/>
               </a:rPr>
-              <a:t>://</a:t>
-            </a:r>
-            <a:r>
-              <a:rPr lang="en-US" altLang="zh-CN" sz="2000" dirty="0" smtClean="0">
-                <a:ea typeface="微软雅黑 Light" pitchFamily="34" charset="-122"/>
-                <a:hlinkClick r:id="rId3"/>
-              </a:rPr>
-              <a:t>github.com/google/styleguide</a:t>
-            </a:r>
-            <a:endParaRPr lang="en-US" altLang="zh-CN" sz="2000" dirty="0" smtClean="0">
+              <a:t>https://github.com/google/styleguide</a:t>
+            </a:r>
+            <a:endParaRPr lang="en-US" altLang="zh-CN" sz="2000" dirty="0">
               <a:ea typeface="微软雅黑 Light" pitchFamily="34" charset="-122"/>
             </a:endParaRPr>
           </a:p>
@@ -3372,6 +3382,254 @@
       </p:grpSpPr>
       <p:sp>
         <p:nvSpPr>
+          <p:cNvPr id="2" name="Title 1"/>
+          <p:cNvSpPr>
+            <a:spLocks noGrp="1"/>
+          </p:cNvSpPr>
+          <p:nvPr>
+            <p:ph type="title"/>
+          </p:nvPr>
+        </p:nvSpPr>
+        <p:spPr/>
+        <p:txBody>
+          <a:bodyPr/>
+          <a:lstStyle/>
+          <a:p>
+            <a:pPr algn="l"/>
+            <a:r>
+              <a:rPr lang="en-US" dirty="0">
+                <a:latin typeface="Microsoft JhengHei" panose="020B0604030504040204" pitchFamily="34" charset="-120"/>
+                <a:ea typeface="Microsoft JhengHei" panose="020B0604030504040204" pitchFamily="34" charset="-120"/>
+              </a:rPr>
+              <a:t>Principles </a:t>
+            </a:r>
+            <a:r>
+              <a:rPr lang="zh-CN" altLang="en-US" dirty="0">
+                <a:latin typeface="Microsoft JhengHei" panose="020B0604030504040204" pitchFamily="34" charset="-120"/>
+                <a:ea typeface="Microsoft JhengHei" panose="020B0604030504040204" pitchFamily="34" charset="-120"/>
+              </a:rPr>
+              <a:t>技术原则</a:t>
+            </a:r>
+            <a:endParaRPr lang="en-US" dirty="0">
+              <a:latin typeface="Microsoft JhengHei" panose="020B0604030504040204" pitchFamily="34" charset="-120"/>
+              <a:ea typeface="Microsoft JhengHei" panose="020B0604030504040204" pitchFamily="34" charset="-120"/>
+            </a:endParaRPr>
+          </a:p>
+        </p:txBody>
+      </p:sp>
+      <p:sp>
+        <p:nvSpPr>
+          <p:cNvPr id="3" name="Content Placeholder 2"/>
+          <p:cNvSpPr>
+            <a:spLocks noGrp="1"/>
+          </p:cNvSpPr>
+          <p:nvPr>
+            <p:ph idx="1"/>
+          </p:nvPr>
+        </p:nvSpPr>
+        <p:spPr/>
+        <p:txBody>
+          <a:bodyPr>
+            <a:normAutofit/>
+          </a:bodyPr>
+          <a:lstStyle/>
+          <a:p>
+            <a:r>
+              <a:rPr lang="en-US" altLang="zh-CN" sz="2800" dirty="0">
+                <a:latin typeface="Microsoft JhengHei" panose="020B0604030504040204" pitchFamily="34" charset="-120"/>
+                <a:ea typeface="Microsoft JhengHei" panose="020B0604030504040204" pitchFamily="34" charset="-120"/>
+              </a:rPr>
+              <a:t>Micro and Beautiful  	</a:t>
+            </a:r>
+            <a:r>
+              <a:rPr lang="zh-CN" altLang="en-US" sz="2800" dirty="0">
+                <a:latin typeface="Microsoft JhengHei" panose="020B0604030504040204" pitchFamily="34" charset="-120"/>
+                <a:ea typeface="Microsoft JhengHei" panose="020B0604030504040204" pitchFamily="34" charset="-120"/>
+              </a:rPr>
+              <a:t>小而美</a:t>
+            </a:r>
+            <a:endParaRPr lang="en-US" sz="2800" dirty="0">
+              <a:latin typeface="Microsoft JhengHei" panose="020B0604030504040204" pitchFamily="34" charset="-120"/>
+              <a:ea typeface="Microsoft JhengHei" panose="020B0604030504040204" pitchFamily="34" charset="-120"/>
+            </a:endParaRPr>
+          </a:p>
+          <a:p>
+            <a:r>
+              <a:rPr lang="en-US" sz="2800" dirty="0">
+                <a:latin typeface="Microsoft JhengHei" panose="020B0604030504040204" pitchFamily="34" charset="-120"/>
+                <a:ea typeface="Microsoft JhengHei" panose="020B0604030504040204" pitchFamily="34" charset="-120"/>
+              </a:rPr>
+              <a:t>Simple and </a:t>
+            </a:r>
+            <a:r>
+              <a:rPr lang="en-US" altLang="zh-CN" sz="2800" dirty="0">
+                <a:latin typeface="Microsoft JhengHei" panose="020B0604030504040204" pitchFamily="34" charset="-120"/>
+                <a:ea typeface="Microsoft JhengHei" panose="020B0604030504040204" pitchFamily="34" charset="-120"/>
+              </a:rPr>
+              <a:t>Transferable</a:t>
+            </a:r>
+            <a:r>
+              <a:rPr lang="en-US" sz="2800" dirty="0">
+                <a:latin typeface="Microsoft JhengHei" panose="020B0604030504040204" pitchFamily="34" charset="-120"/>
+                <a:ea typeface="Microsoft JhengHei" panose="020B0604030504040204" pitchFamily="34" charset="-120"/>
+              </a:rPr>
+              <a:t>  </a:t>
+            </a:r>
+            <a:r>
+              <a:rPr lang="zh-CN" altLang="en-US" sz="2800" dirty="0">
+                <a:latin typeface="Microsoft JhengHei" panose="020B0604030504040204" pitchFamily="34" charset="-120"/>
+                <a:ea typeface="Microsoft JhengHei" panose="020B0604030504040204" pitchFamily="34" charset="-120"/>
+              </a:rPr>
+              <a:t>简单可移交</a:t>
+            </a:r>
+            <a:endParaRPr lang="en-US" sz="2800" dirty="0">
+              <a:latin typeface="Microsoft JhengHei" panose="020B0604030504040204" pitchFamily="34" charset="-120"/>
+              <a:ea typeface="Microsoft JhengHei" panose="020B0604030504040204" pitchFamily="34" charset="-120"/>
+            </a:endParaRPr>
+          </a:p>
+          <a:p>
+            <a:r>
+              <a:rPr lang="en-US" sz="2800" dirty="0" err="1">
+                <a:latin typeface="Microsoft JhengHei" panose="020B0604030504040204" pitchFamily="34" charset="-120"/>
+                <a:ea typeface="Microsoft JhengHei" panose="020B0604030504040204" pitchFamily="34" charset="-120"/>
+              </a:rPr>
+              <a:t>Postel</a:t>
+            </a:r>
+            <a:r>
+              <a:rPr lang="en-US" sz="2800" dirty="0">
+                <a:latin typeface="Microsoft JhengHei" panose="020B0604030504040204" pitchFamily="34" charset="-120"/>
+                <a:ea typeface="Microsoft JhengHei" panose="020B0604030504040204" pitchFamily="34" charset="-120"/>
+              </a:rPr>
+              <a:t> Rule</a:t>
+            </a:r>
+            <a:r>
+              <a:rPr lang="zh-CN" altLang="en-US" sz="2800" dirty="0">
+                <a:latin typeface="Microsoft JhengHei" panose="020B0604030504040204" pitchFamily="34" charset="-120"/>
+                <a:ea typeface="Microsoft JhengHei" panose="020B0604030504040204" pitchFamily="34" charset="-120"/>
+              </a:rPr>
+              <a:t>  </a:t>
+            </a:r>
+            <a:r>
+              <a:rPr lang="en-US" altLang="zh-CN" sz="2800" dirty="0">
+                <a:latin typeface="Microsoft JhengHei" panose="020B0604030504040204" pitchFamily="34" charset="-120"/>
+                <a:ea typeface="Microsoft JhengHei" panose="020B0604030504040204" pitchFamily="34" charset="-120"/>
+              </a:rPr>
+              <a:t>		</a:t>
+            </a:r>
+            <a:r>
+              <a:rPr lang="en-US" altLang="zh-CN" sz="2800">
+                <a:latin typeface="Microsoft JhengHei" panose="020B0604030504040204" pitchFamily="34" charset="-120"/>
+                <a:ea typeface="Microsoft JhengHei" panose="020B0604030504040204" pitchFamily="34" charset="-120"/>
+              </a:rPr>
+              <a:t>	 </a:t>
+            </a:r>
+            <a:r>
+              <a:rPr lang="zh-CN" altLang="en-US" sz="2000">
+                <a:latin typeface="Microsoft JhengHei" panose="020B0604030504040204" pitchFamily="34" charset="-120"/>
+                <a:ea typeface="Microsoft JhengHei" panose="020B0604030504040204" pitchFamily="34" charset="-120"/>
+              </a:rPr>
+              <a:t>模块</a:t>
+            </a:r>
+            <a:r>
+              <a:rPr lang="zh-CN" altLang="en-US" sz="2000" dirty="0">
+                <a:latin typeface="Microsoft JhengHei" panose="020B0604030504040204" pitchFamily="34" charset="-120"/>
+                <a:ea typeface="Microsoft JhengHei" panose="020B0604030504040204" pitchFamily="34" charset="-120"/>
+              </a:rPr>
+              <a:t>和接口参数要“宽进严出”</a:t>
+            </a:r>
+            <a:endParaRPr lang="en-US" altLang="zh-CN" sz="2000" dirty="0">
+              <a:latin typeface="Microsoft JhengHei" panose="020B0604030504040204" pitchFamily="34" charset="-120"/>
+              <a:ea typeface="Microsoft JhengHei" panose="020B0604030504040204" pitchFamily="34" charset="-120"/>
+            </a:endParaRPr>
+          </a:p>
+          <a:p>
+            <a:r>
+              <a:rPr lang="en-US" altLang="zh-CN" sz="1800" dirty="0">
+                <a:latin typeface="Microsoft JhengHei" panose="020B0604030504040204" pitchFamily="34" charset="-120"/>
+                <a:ea typeface="Microsoft JhengHei" panose="020B0604030504040204" pitchFamily="34" charset="-120"/>
+              </a:rPr>
+              <a:t>Focus on Essential Complexity, and decrease the Accidental Complexity</a:t>
+            </a:r>
+          </a:p>
+        </p:txBody>
+      </p:sp>
+      <p:sp>
+        <p:nvSpPr>
+          <p:cNvPr id="4" name="TextBox 3"/>
+          <p:cNvSpPr txBox="1"/>
+          <p:nvPr/>
+        </p:nvSpPr>
+        <p:spPr>
+          <a:xfrm>
+            <a:off x="5868144" y="6177920"/>
+            <a:ext cx="3600400" cy="261610"/>
+          </a:xfrm>
+          <a:prstGeom prst="rect">
+            <a:avLst/>
+          </a:prstGeom>
+          <a:noFill/>
+        </p:spPr>
+        <p:txBody>
+          <a:bodyPr wrap="square" rtlCol="0">
+            <a:spAutoFit/>
+          </a:bodyPr>
+          <a:lstStyle/>
+          <a:p>
+            <a:r>
+              <a:rPr lang="en-US" sz="1100" dirty="0" err="1">
+                <a:solidFill>
+                  <a:schemeClr val="bg1">
+                    <a:lumMod val="50000"/>
+                  </a:schemeClr>
+                </a:solidFill>
+              </a:rPr>
+              <a:t>Postel</a:t>
+            </a:r>
+            <a:r>
+              <a:rPr lang="en-US" sz="1100" dirty="0">
+                <a:solidFill>
+                  <a:schemeClr val="bg1">
+                    <a:lumMod val="50000"/>
+                  </a:schemeClr>
+                </a:solidFill>
+              </a:rPr>
+              <a:t> Rule: https://tools.ietf.org/html/rfc761</a:t>
+            </a:r>
+          </a:p>
+        </p:txBody>
+      </p:sp>
+    </p:spTree>
+    <p:extLst>
+      <p:ext uri="{BB962C8B-B14F-4D97-AF65-F5344CB8AC3E}">
+        <p14:creationId xmlns:p14="http://schemas.microsoft.com/office/powerpoint/2010/main" val="458085685"/>
+      </p:ext>
+    </p:extLst>
+  </p:cSld>
+  <p:clrMapOvr>
+    <a:masterClrMapping/>
+  </p:clrMapOvr>
+</p:sld>
+</file>
+
+<file path=ppt/slides/slide4.xml><?xml version="1.0" encoding="utf-8"?>
+<p:sld xmlns:a="http://schemas.openxmlformats.org/drawingml/2006/main" xmlns:r="http://schemas.openxmlformats.org/officeDocument/2006/relationships" xmlns:p="http://schemas.openxmlformats.org/presentationml/2006/main">
+  <p:cSld>
+    <p:spTree>
+      <p:nvGrpSpPr>
+        <p:cNvPr id="1" name=""/>
+        <p:cNvGrpSpPr/>
+        <p:nvPr/>
+      </p:nvGrpSpPr>
+      <p:grpSpPr>
+        <a:xfrm>
+          <a:off x="0" y="0"/>
+          <a:ext cx="0" cy="0"/>
+          <a:chOff x="0" y="0"/>
+          <a:chExt cx="0" cy="0"/>
+        </a:xfrm>
+      </p:grpSpPr>
+      <p:sp>
+        <p:nvSpPr>
           <p:cNvPr id="3" name="内容占位符 2"/>
           <p:cNvSpPr>
             <a:spLocks noGrp="1"/>
@@ -3393,73 +3651,73 @@
           <a:lstStyle/>
           <a:p>
             <a:r>
-              <a:rPr lang="en-US" altLang="zh-CN" sz="2400" dirty="0" smtClean="0"/>
+              <a:rPr lang="en-US" altLang="zh-CN" sz="2400" dirty="0"/>
               <a:t>Variables can only be named start with an alphabet character only.</a:t>
             </a:r>
           </a:p>
           <a:p>
             <a:r>
-              <a:rPr lang="en-US" altLang="zh-CN" sz="2400" dirty="0" smtClean="0"/>
+              <a:rPr lang="en-US" altLang="zh-CN" sz="2400" dirty="0"/>
               <a:t>Constants should be named with upper-case and underline characters only.</a:t>
             </a:r>
           </a:p>
           <a:p>
             <a:r>
-              <a:rPr lang="en-US" altLang="zh-CN" sz="2400" dirty="0" smtClean="0"/>
+              <a:rPr lang="en-US" altLang="zh-CN" sz="2400" dirty="0"/>
               <a:t>Variables can only be used in current file should be named start with a lower-case character. Such as, </a:t>
             </a:r>
             <a:r>
-              <a:rPr lang="en-US" altLang="zh-CN" sz="2400" dirty="0" err="1" smtClean="0"/>
+              <a:rPr lang="en-US" altLang="zh-CN" sz="2400" dirty="0" err="1"/>
               <a:t>var_aario</a:t>
             </a:r>
             <a:r>
-              <a:rPr lang="en-US" altLang="zh-CN" sz="2400" dirty="0" smtClean="0"/>
+              <a:rPr lang="en-US" altLang="zh-CN" sz="2400" dirty="0"/>
               <a:t> = 100, </a:t>
             </a:r>
             <a:r>
-              <a:rPr lang="en-US" altLang="zh-CN" sz="2400" dirty="0" err="1" smtClean="0"/>
+              <a:rPr lang="en-US" altLang="zh-CN" sz="2400" dirty="0" err="1"/>
               <a:t>cmdRun</a:t>
             </a:r>
             <a:r>
-              <a:rPr lang="en-US" altLang="zh-CN" sz="2400" dirty="0" smtClean="0"/>
+              <a:rPr lang="en-US" altLang="zh-CN" sz="2400" dirty="0"/>
               <a:t>()</a:t>
             </a:r>
           </a:p>
           <a:p>
             <a:r>
-              <a:rPr lang="en-US" altLang="zh-CN" sz="2400" dirty="0" smtClean="0"/>
+              <a:rPr lang="en-US" altLang="zh-CN" sz="2400" dirty="0"/>
               <a:t>Variables can be used in other files should be named start with an upper-case character. Such as, </a:t>
             </a:r>
             <a:r>
-              <a:rPr lang="en-US" altLang="zh-CN" sz="2400" dirty="0" err="1" smtClean="0"/>
+              <a:rPr lang="en-US" altLang="zh-CN" sz="2400" dirty="0" err="1"/>
               <a:t>TerraceController</a:t>
             </a:r>
             <a:r>
-              <a:rPr lang="en-US" altLang="zh-CN" sz="2400" dirty="0" smtClean="0"/>
+              <a:rPr lang="en-US" altLang="zh-CN" sz="2400" dirty="0"/>
               <a:t>{}, </a:t>
             </a:r>
             <a:r>
-              <a:rPr lang="en-US" altLang="zh-CN" sz="2400" dirty="0" err="1" smtClean="0"/>
+              <a:rPr lang="en-US" altLang="zh-CN" sz="2400" dirty="0" err="1"/>
               <a:t>ChoppyWave</a:t>
             </a:r>
             <a:r>
-              <a:rPr lang="en-US" altLang="zh-CN" sz="2400" dirty="0" smtClean="0"/>
+              <a:rPr lang="en-US" altLang="zh-CN" sz="2400" dirty="0"/>
               <a:t>(), </a:t>
             </a:r>
             <a:r>
-              <a:rPr lang="en-US" altLang="zh-CN" sz="2400" dirty="0" err="1" smtClean="0"/>
+              <a:rPr lang="en-US" altLang="zh-CN" sz="2400" dirty="0" err="1"/>
               <a:t>FirstName</a:t>
             </a:r>
             <a:r>
-              <a:rPr lang="en-US" altLang="zh-CN" sz="2400" dirty="0" smtClean="0"/>
+              <a:rPr lang="en-US" altLang="zh-CN" sz="2400" dirty="0"/>
               <a:t> = “</a:t>
             </a:r>
             <a:r>
-              <a:rPr lang="en-US" altLang="zh-CN" sz="2400" dirty="0" err="1" smtClean="0"/>
+              <a:rPr lang="en-US" altLang="zh-CN" sz="2400" dirty="0" err="1"/>
               <a:t>Aario</a:t>
             </a:r>
             <a:r>
-              <a:rPr lang="en-US" altLang="zh-CN" sz="2400" dirty="0" smtClean="0"/>
+              <a:rPr lang="en-US" altLang="zh-CN" sz="2400" dirty="0"/>
               <a:t>”</a:t>
             </a:r>
             <a:endParaRPr lang="zh-CN" altLang="en-US" sz="2400" dirty="0"/>
@@ -3530,7 +3788,7 @@
           <a:lstStyle/>
           <a:p>
             <a:r>
-              <a:rPr lang="en-US" altLang="zh-CN" sz="4800" b="1" dirty="0" smtClean="0">
+              <a:rPr lang="en-US" altLang="zh-CN" sz="4800" b="1" dirty="0">
                 <a:solidFill>
                   <a:srgbClr val="00B0F0"/>
                 </a:solidFill>
@@ -3540,7 +3798,7 @@
               <a:t>N</a:t>
             </a:r>
             <a:r>
-              <a:rPr lang="en-US" altLang="zh-CN" sz="4800" b="1" dirty="0" smtClean="0">
+              <a:rPr lang="en-US" altLang="zh-CN" sz="4800" b="1" dirty="0">
                 <a:solidFill>
                   <a:schemeClr val="accent6">
                     <a:lumMod val="75000"/>
@@ -3552,7 +3810,7 @@
               <a:t>a</a:t>
             </a:r>
             <a:r>
-              <a:rPr lang="en-US" altLang="zh-CN" sz="4800" b="1" dirty="0" smtClean="0">
+              <a:rPr lang="en-US" altLang="zh-CN" sz="4800" b="1" dirty="0">
                 <a:solidFill>
                   <a:srgbClr val="11BF64"/>
                 </a:solidFill>
@@ -3562,7 +3820,7 @@
               <a:t>m</a:t>
             </a:r>
             <a:r>
-              <a:rPr lang="en-US" altLang="zh-CN" sz="4800" b="1" dirty="0" smtClean="0">
+              <a:rPr lang="en-US" altLang="zh-CN" sz="4800" b="1" dirty="0">
                 <a:solidFill>
                   <a:srgbClr val="7030A0"/>
                 </a:solidFill>
@@ -3572,7 +3830,7 @@
               <a:t>i</a:t>
             </a:r>
             <a:r>
-              <a:rPr lang="en-US" altLang="zh-CN" sz="4800" b="1" dirty="0" smtClean="0">
+              <a:rPr lang="en-US" altLang="zh-CN" sz="4800" b="1" dirty="0">
                 <a:solidFill>
                   <a:srgbClr val="FFC000"/>
                 </a:solidFill>
@@ -3582,7 +3840,7 @@
               <a:t>n</a:t>
             </a:r>
             <a:r>
-              <a:rPr lang="en-US" altLang="zh-CN" sz="4800" b="1" dirty="0" smtClean="0">
+              <a:rPr lang="en-US" altLang="zh-CN" sz="4800" b="1" dirty="0">
                 <a:solidFill>
                   <a:srgbClr val="92D050"/>
                 </a:solidFill>
@@ -3614,7 +3872,7 @@
 </p:sld>
 </file>
 
-<file path=ppt/slides/slide4.xml><?xml version="1.0" encoding="utf-8"?>
+<file path=ppt/slides/slide5.xml><?xml version="1.0" encoding="utf-8"?>
 <p:sld xmlns:a="http://schemas.openxmlformats.org/drawingml/2006/main" xmlns:r="http://schemas.openxmlformats.org/officeDocument/2006/relationships" xmlns:p="http://schemas.openxmlformats.org/presentationml/2006/main">
   <p:cSld>
     <p:spTree>
@@ -3695,7 +3953,7 @@
           <a:lstStyle/>
           <a:p>
             <a:r>
-              <a:rPr lang="en-US" altLang="zh-CN" sz="2800" b="1" dirty="0" smtClean="0"/>
+              <a:rPr lang="en-US" altLang="zh-CN" sz="2800" b="1" dirty="0"/>
               <a:t>local variables belong to you</a:t>
             </a:r>
           </a:p>
@@ -3705,7 +3963,7 @@
               <a:buChar char="•"/>
             </a:pPr>
             <a:r>
-              <a:rPr lang="en-US" altLang="zh-CN" dirty="0" smtClean="0"/>
+              <a:rPr lang="en-US" altLang="zh-CN" dirty="0"/>
               <a:t>You can remove any variable named start with a lower-case character without notifying others.</a:t>
             </a:r>
           </a:p>
@@ -3715,49 +3973,49 @@
               <a:buChar char="•"/>
             </a:pPr>
             <a:r>
-              <a:rPr lang="en-US" altLang="zh-CN" dirty="0" smtClean="0"/>
+              <a:rPr lang="en-US" altLang="zh-CN" dirty="0"/>
               <a:t>You can give any name you want to            a local variable which should be named start with a lower-case                               character.</a:t>
             </a:r>
           </a:p>
           <a:p>
-            <a:endParaRPr lang="en-US" altLang="zh-CN" dirty="0" smtClean="0"/>
-          </a:p>
-          <a:p>
             <a:endParaRPr lang="en-US" altLang="zh-CN" dirty="0"/>
           </a:p>
           <a:p>
-            <a:endParaRPr lang="en-US" altLang="zh-CN" dirty="0" smtClean="0"/>
-          </a:p>
-          <a:p>
             <a:endParaRPr lang="en-US" altLang="zh-CN" dirty="0"/>
           </a:p>
           <a:p>
-            <a:endParaRPr lang="en-US" altLang="zh-CN" dirty="0" smtClean="0"/>
-          </a:p>
-          <a:p>
             <a:endParaRPr lang="en-US" altLang="zh-CN" dirty="0"/>
           </a:p>
           <a:p>
-            <a:endParaRPr lang="en-US" altLang="zh-CN" dirty="0" smtClean="0"/>
-          </a:p>
-          <a:p>
             <a:endParaRPr lang="en-US" altLang="zh-CN" dirty="0"/>
           </a:p>
           <a:p>
-            <a:endParaRPr lang="en-US" altLang="zh-CN" dirty="0" smtClean="0"/>
-          </a:p>
-          <a:p>
             <a:endParaRPr lang="en-US" altLang="zh-CN" dirty="0"/>
           </a:p>
           <a:p>
             <a:endParaRPr lang="en-US" altLang="zh-CN" dirty="0"/>
           </a:p>
           <a:p>
-            <a:endParaRPr lang="en-US" altLang="zh-CN" dirty="0" smtClean="0"/>
-          </a:p>
-          <a:p>
-            <a:r>
-              <a:rPr lang="en-US" altLang="zh-CN" sz="2800" b="1" dirty="0" smtClean="0"/>
+            <a:endParaRPr lang="en-US" altLang="zh-CN" dirty="0"/>
+          </a:p>
+          <a:p>
+            <a:endParaRPr lang="en-US" altLang="zh-CN" dirty="0"/>
+          </a:p>
+          <a:p>
+            <a:endParaRPr lang="en-US" altLang="zh-CN" dirty="0"/>
+          </a:p>
+          <a:p>
+            <a:endParaRPr lang="en-US" altLang="zh-CN" dirty="0"/>
+          </a:p>
+          <a:p>
+            <a:endParaRPr lang="en-US" altLang="zh-CN" dirty="0"/>
+          </a:p>
+          <a:p>
+            <a:endParaRPr lang="en-US" altLang="zh-CN" dirty="0"/>
+          </a:p>
+          <a:p>
+            <a:r>
+              <a:rPr lang="en-US" altLang="zh-CN" sz="2800" b="1" dirty="0"/>
               <a:t>Global Variables Belong To Team</a:t>
             </a:r>
           </a:p>
@@ -3767,16 +4025,8 @@
               <a:buChar char="•"/>
             </a:pPr>
             <a:r>
-              <a:rPr lang="en-US" altLang="zh-CN" dirty="0" smtClean="0"/>
-              <a:t>You have to notify the team leader  and the manage when you want to remove a variable, a function or a class which is named start with an</a:t>
-            </a:r>
-            <a:r>
               <a:rPr lang="en-US" altLang="zh-CN" dirty="0"/>
-              <a:t> </a:t>
-            </a:r>
-            <a:r>
-              <a:rPr lang="en-US" altLang="zh-CN" dirty="0" smtClean="0"/>
-              <a:t>upper-case character.</a:t>
+              <a:t>You have to notify the team leader  and the manage when you want to remove a variable, a function or a class which is named start with an upper-case character.</a:t>
             </a:r>
           </a:p>
         </p:txBody>
@@ -3794,7 +4044,7 @@
 </p:sld>
 </file>
 
-<file path=ppt/slides/slide5.xml><?xml version="1.0" encoding="utf-8"?>
+<file path=ppt/slides/slide6.xml><?xml version="1.0" encoding="utf-8"?>
 <p:sld xmlns:a="http://schemas.openxmlformats.org/drawingml/2006/main" xmlns:r="http://schemas.openxmlformats.org/officeDocument/2006/relationships" xmlns:p="http://schemas.openxmlformats.org/presentationml/2006/main">
   <p:cSld>
     <p:spTree>
@@ -3834,27 +4084,19 @@
           <a:lstStyle/>
           <a:p>
             <a:r>
-              <a:rPr lang="en-US" altLang="zh-CN" dirty="0" smtClean="0"/>
+              <a:rPr lang="en-US" altLang="zh-CN" dirty="0"/>
               <a:t>Following the code style of the file you are modifying. </a:t>
             </a:r>
           </a:p>
           <a:p>
             <a:r>
-              <a:rPr lang="en-US" altLang="zh-CN" dirty="0" smtClean="0"/>
-              <a:t>Do not reformat the code style </a:t>
-            </a:r>
-            <a:r>
-              <a:rPr lang="en-US" altLang="zh-CN" dirty="0" smtClean="0"/>
-              <a:t>of a file which doesn't </a:t>
-            </a:r>
-            <a:r>
-              <a:rPr lang="en-US" altLang="zh-CN" dirty="0" smtClean="0"/>
-              <a:t>belong to you! </a:t>
-            </a:r>
-          </a:p>
-          <a:p>
-            <a:r>
-              <a:rPr lang="en-US" altLang="zh-CN" dirty="0" smtClean="0"/>
+              <a:rPr lang="en-US" altLang="zh-CN" dirty="0"/>
+              <a:t>Do not reformat the code style of a file which doesn't belong to you! </a:t>
+            </a:r>
+          </a:p>
+          <a:p>
+            <a:r>
+              <a:rPr lang="en-US" altLang="zh-CN" dirty="0"/>
               <a:t>You can reformat the code style of a file after transferring the file’s ownership to you.</a:t>
             </a:r>
             <a:endParaRPr lang="zh-CN" altLang="en-US" dirty="0"/>
@@ -3945,1288 +4187,6 @@
 </p:sld>
 </file>
 
-<file path=ppt/slides/slide6.xml><?xml version="1.0" encoding="utf-8"?>
-<p:sld xmlns:a="http://schemas.openxmlformats.org/drawingml/2006/main" xmlns:r="http://schemas.openxmlformats.org/officeDocument/2006/relationships" xmlns:p="http://schemas.openxmlformats.org/presentationml/2006/main">
-  <p:cSld>
-    <p:spTree>
-      <p:nvGrpSpPr>
-        <p:cNvPr id="1" name=""/>
-        <p:cNvGrpSpPr/>
-        <p:nvPr/>
-      </p:nvGrpSpPr>
-      <p:grpSpPr>
-        <a:xfrm>
-          <a:off x="0" y="0"/>
-          <a:ext cx="0" cy="0"/>
-          <a:chOff x="0" y="0"/>
-          <a:chExt cx="0" cy="0"/>
-        </a:xfrm>
-      </p:grpSpPr>
-      <p:sp>
-        <p:nvSpPr>
-          <p:cNvPr id="8" name="TextBox 7"/>
-          <p:cNvSpPr txBox="1"/>
-          <p:nvPr/>
-        </p:nvSpPr>
-        <p:spPr>
-          <a:xfrm>
-            <a:off x="2100089" y="692696"/>
-            <a:ext cx="5184576" cy="5478423"/>
-          </a:xfrm>
-          <a:prstGeom prst="rect">
-            <a:avLst/>
-          </a:prstGeom>
-          <a:noFill/>
-        </p:spPr>
-        <p:txBody>
-          <a:bodyPr wrap="square" rtlCol="0">
-            <a:spAutoFit/>
-          </a:bodyPr>
-          <a:lstStyle/>
-          <a:p>
-            <a:r>
-              <a:rPr lang="en-US" altLang="zh-CN" sz="1400" dirty="0" smtClean="0">
-                <a:solidFill>
-                  <a:schemeClr val="bg1">
-                    <a:lumMod val="50000"/>
-                  </a:schemeClr>
-                </a:solidFill>
-                <a:latin typeface="Candara" pitchFamily="34" charset="0"/>
-              </a:rPr>
-              <a:t>/**</a:t>
-            </a:r>
-          </a:p>
-          <a:p>
-            <a:r>
-              <a:rPr lang="en-US" altLang="zh-CN" sz="1400" dirty="0">
-                <a:solidFill>
-                  <a:schemeClr val="bg1">
-                    <a:lumMod val="50000"/>
-                  </a:schemeClr>
-                </a:solidFill>
-                <a:latin typeface="Candara" pitchFamily="34" charset="0"/>
-              </a:rPr>
-              <a:t> </a:t>
-            </a:r>
-            <a:r>
-              <a:rPr lang="en-US" altLang="zh-CN" sz="1400" dirty="0" smtClean="0">
-                <a:solidFill>
-                  <a:schemeClr val="bg1">
-                    <a:lumMod val="50000"/>
-                  </a:schemeClr>
-                </a:solidFill>
-                <a:latin typeface="Candara" pitchFamily="34" charset="0"/>
-              </a:rPr>
-              <a:t>* Commentary Topic</a:t>
-            </a:r>
-          </a:p>
-          <a:p>
-            <a:r>
-              <a:rPr lang="en-US" altLang="zh-CN" sz="1400" dirty="0">
-                <a:solidFill>
-                  <a:schemeClr val="bg1">
-                    <a:lumMod val="50000"/>
-                  </a:schemeClr>
-                </a:solidFill>
-                <a:latin typeface="Candara" pitchFamily="34" charset="0"/>
-              </a:rPr>
-              <a:t> </a:t>
-            </a:r>
-            <a:r>
-              <a:rPr lang="en-US" altLang="zh-CN" sz="1400" dirty="0" smtClean="0">
-                <a:solidFill>
-                  <a:schemeClr val="bg1">
-                    <a:lumMod val="50000"/>
-                  </a:schemeClr>
-                </a:solidFill>
-                <a:latin typeface="Candara" pitchFamily="34" charset="0"/>
-              </a:rPr>
-              <a:t>*     This is the content of the commentary.</a:t>
-            </a:r>
-          </a:p>
-          <a:p>
-            <a:r>
-              <a:rPr lang="en-US" altLang="zh-CN" sz="1400" dirty="0">
-                <a:solidFill>
-                  <a:schemeClr val="bg1">
-                    <a:lumMod val="50000"/>
-                  </a:schemeClr>
-                </a:solidFill>
-                <a:latin typeface="Candara" pitchFamily="34" charset="0"/>
-              </a:rPr>
-              <a:t> </a:t>
-            </a:r>
-            <a:r>
-              <a:rPr lang="en-US" altLang="zh-CN" sz="1400" dirty="0" smtClean="0">
-                <a:solidFill>
-                  <a:schemeClr val="bg1">
-                    <a:lumMod val="50000"/>
-                  </a:schemeClr>
-                </a:solidFill>
-                <a:latin typeface="Candara" pitchFamily="34" charset="0"/>
-              </a:rPr>
-              <a:t>*      Keep align it when break lines</a:t>
-            </a:r>
-            <a:r>
-              <a:rPr lang="en-US" altLang="zh-CN" sz="1400" dirty="0">
-                <a:solidFill>
-                  <a:schemeClr val="bg1">
-                    <a:lumMod val="50000"/>
-                  </a:schemeClr>
-                </a:solidFill>
-                <a:latin typeface="Candara" pitchFamily="34" charset="0"/>
-              </a:rPr>
-              <a:t/>
-            </a:r>
-            <a:br>
-              <a:rPr lang="en-US" altLang="zh-CN" sz="1400" dirty="0">
-                <a:solidFill>
-                  <a:schemeClr val="bg1">
-                    <a:lumMod val="50000"/>
-                  </a:schemeClr>
-                </a:solidFill>
-                <a:latin typeface="Candara" pitchFamily="34" charset="0"/>
-              </a:rPr>
-            </a:br>
-            <a:r>
-              <a:rPr lang="en-US" altLang="zh-CN" sz="1400" dirty="0">
-                <a:solidFill>
-                  <a:schemeClr val="bg1">
-                    <a:lumMod val="50000"/>
-                  </a:schemeClr>
-                </a:solidFill>
-                <a:latin typeface="Candara" pitchFamily="34" charset="0"/>
-              </a:rPr>
-              <a:t> * </a:t>
-            </a:r>
-            <a:r>
-              <a:rPr lang="en-US" altLang="zh-CN" sz="1400" b="1" dirty="0">
-                <a:solidFill>
-                  <a:schemeClr val="bg1">
-                    <a:lumMod val="50000"/>
-                  </a:schemeClr>
-                </a:solidFill>
-                <a:latin typeface="Candara" pitchFamily="34" charset="0"/>
-              </a:rPr>
-              <a:t>@</a:t>
-            </a:r>
-            <a:r>
-              <a:rPr lang="en-US" altLang="zh-CN" sz="1400" b="1" dirty="0" err="1">
-                <a:solidFill>
-                  <a:schemeClr val="bg1">
-                    <a:lumMod val="50000"/>
-                  </a:schemeClr>
-                </a:solidFill>
-                <a:latin typeface="Candara" pitchFamily="34" charset="0"/>
-              </a:rPr>
-              <a:t>var</a:t>
-            </a:r>
-            <a:r>
-              <a:rPr lang="en-US" altLang="zh-CN" sz="1400" b="1" dirty="0">
-                <a:solidFill>
-                  <a:schemeClr val="bg1">
-                    <a:lumMod val="50000"/>
-                  </a:schemeClr>
-                </a:solidFill>
-                <a:latin typeface="Candara" pitchFamily="34" charset="0"/>
-              </a:rPr>
-              <a:t>   </a:t>
-            </a:r>
-            <a:r>
-              <a:rPr lang="en-US" altLang="zh-CN" sz="1400" dirty="0">
-                <a:solidFill>
-                  <a:schemeClr val="bg1">
-                    <a:lumMod val="50000"/>
-                  </a:schemeClr>
-                </a:solidFill>
-                <a:latin typeface="Candara" pitchFamily="34" charset="0"/>
-              </a:rPr>
-              <a:t>--&gt; </a:t>
-            </a:r>
-            <a:r>
-              <a:rPr lang="en-US" altLang="zh-CN" sz="1400" b="1" dirty="0">
-                <a:solidFill>
-                  <a:schemeClr val="bg1">
-                    <a:lumMod val="50000"/>
-                  </a:schemeClr>
-                </a:solidFill>
-                <a:latin typeface="Candara" pitchFamily="34" charset="0"/>
-              </a:rPr>
-              <a:t>@field  @constant  @define    </a:t>
-            </a:r>
-            <a:r>
-              <a:rPr lang="en-US" altLang="zh-CN" sz="1400" b="1" dirty="0" smtClean="0">
-                <a:solidFill>
-                  <a:schemeClr val="bg1">
-                    <a:lumMod val="50000"/>
-                  </a:schemeClr>
-                </a:solidFill>
-                <a:latin typeface="Candara" pitchFamily="34" charset="0"/>
-              </a:rPr>
-              <a:t>	</a:t>
-            </a:r>
-            <a:r>
-              <a:rPr lang="en-US" altLang="zh-CN" sz="1400" dirty="0" smtClean="0">
-                <a:solidFill>
-                  <a:schemeClr val="bg1">
-                    <a:lumMod val="50000"/>
-                  </a:schemeClr>
-                </a:solidFill>
-                <a:latin typeface="Candara" pitchFamily="34" charset="0"/>
-              </a:rPr>
-              <a:t>variable</a:t>
-            </a:r>
-            <a:r>
-              <a:rPr lang="en-US" altLang="zh-CN" sz="1400" dirty="0">
-                <a:solidFill>
-                  <a:schemeClr val="bg1">
-                    <a:lumMod val="50000"/>
-                  </a:schemeClr>
-                </a:solidFill>
-                <a:latin typeface="Candara" pitchFamily="34" charset="0"/>
-              </a:rPr>
-              <a:t/>
-            </a:r>
-            <a:br>
-              <a:rPr lang="en-US" altLang="zh-CN" sz="1400" dirty="0">
-                <a:solidFill>
-                  <a:schemeClr val="bg1">
-                    <a:lumMod val="50000"/>
-                  </a:schemeClr>
-                </a:solidFill>
-                <a:latin typeface="Candara" pitchFamily="34" charset="0"/>
-              </a:rPr>
-            </a:br>
-            <a:r>
-              <a:rPr lang="en-US" altLang="zh-CN" sz="1400" dirty="0">
-                <a:solidFill>
-                  <a:schemeClr val="bg1">
-                    <a:lumMod val="50000"/>
-                  </a:schemeClr>
-                </a:solidFill>
-                <a:latin typeface="Candara" pitchFamily="34" charset="0"/>
-              </a:rPr>
-              <a:t> * </a:t>
-            </a:r>
-            <a:r>
-              <a:rPr lang="en-US" altLang="zh-CN" sz="1400" b="1" dirty="0">
-                <a:solidFill>
-                  <a:schemeClr val="bg1">
-                    <a:lumMod val="50000"/>
-                  </a:schemeClr>
-                </a:solidFill>
-                <a:latin typeface="Candara" pitchFamily="34" charset="0"/>
-              </a:rPr>
-              <a:t>@</a:t>
-            </a:r>
-            <a:r>
-              <a:rPr lang="en-US" altLang="zh-CN" sz="1400" b="1" dirty="0" err="1">
-                <a:solidFill>
-                  <a:schemeClr val="bg1">
-                    <a:lumMod val="50000"/>
-                  </a:schemeClr>
-                </a:solidFill>
-                <a:latin typeface="Candara" pitchFamily="34" charset="0"/>
-              </a:rPr>
-              <a:t>param</a:t>
-            </a:r>
-            <a:r>
-              <a:rPr lang="en-US" altLang="zh-CN" sz="1400" b="1" dirty="0">
-                <a:solidFill>
-                  <a:schemeClr val="bg1">
-                    <a:lumMod val="50000"/>
-                  </a:schemeClr>
-                </a:solidFill>
-                <a:latin typeface="Candara" pitchFamily="34" charset="0"/>
-              </a:rPr>
-              <a:t>       </a:t>
-            </a:r>
-            <a:r>
-              <a:rPr lang="en-US" altLang="zh-CN" sz="1400" dirty="0">
-                <a:solidFill>
-                  <a:schemeClr val="bg1">
-                    <a:lumMod val="50000"/>
-                  </a:schemeClr>
-                </a:solidFill>
-                <a:latin typeface="Candara" pitchFamily="34" charset="0"/>
-              </a:rPr>
-              <a:t>--&gt; </a:t>
-            </a:r>
-            <a:r>
-              <a:rPr lang="en-US" altLang="zh-CN" sz="1400" b="1" dirty="0">
-                <a:solidFill>
-                  <a:schemeClr val="bg1">
-                    <a:lumMod val="50000"/>
-                  </a:schemeClr>
-                </a:solidFill>
-                <a:latin typeface="Candara" pitchFamily="34" charset="0"/>
-              </a:rPr>
-              <a:t>@</a:t>
-            </a:r>
-            <a:r>
-              <a:rPr lang="en-US" altLang="zh-CN" sz="1400" b="1" dirty="0" err="1">
-                <a:solidFill>
-                  <a:schemeClr val="bg1">
-                    <a:lumMod val="50000"/>
-                  </a:schemeClr>
-                </a:solidFill>
-                <a:latin typeface="Candara" pitchFamily="34" charset="0"/>
-              </a:rPr>
-              <a:t>arg</a:t>
-            </a:r>
-            <a:r>
-              <a:rPr lang="en-US" altLang="zh-CN" sz="1400" b="1" dirty="0">
-                <a:solidFill>
-                  <a:schemeClr val="bg1">
-                    <a:lumMod val="50000"/>
-                  </a:schemeClr>
-                </a:solidFill>
-                <a:latin typeface="Candara" pitchFamily="34" charset="0"/>
-              </a:rPr>
-              <a:t>               </a:t>
-            </a:r>
-            <a:r>
-              <a:rPr lang="en-US" altLang="zh-CN" sz="1400" b="1" dirty="0" smtClean="0">
-                <a:solidFill>
-                  <a:schemeClr val="bg1">
-                    <a:lumMod val="50000"/>
-                  </a:schemeClr>
-                </a:solidFill>
-                <a:latin typeface="Candara" pitchFamily="34" charset="0"/>
-              </a:rPr>
-              <a:t>		</a:t>
-            </a:r>
-            <a:r>
-              <a:rPr lang="en-US" altLang="zh-CN" sz="1400" dirty="0" smtClean="0">
-                <a:solidFill>
-                  <a:schemeClr val="bg1">
-                    <a:lumMod val="50000"/>
-                  </a:schemeClr>
-                </a:solidFill>
-                <a:latin typeface="Candara" pitchFamily="34" charset="0"/>
-              </a:rPr>
-              <a:t>parameter</a:t>
-            </a:r>
-            <a:r>
-              <a:rPr lang="en-US" altLang="zh-CN" sz="1400" dirty="0">
-                <a:solidFill>
-                  <a:schemeClr val="bg1">
-                    <a:lumMod val="50000"/>
-                  </a:schemeClr>
-                </a:solidFill>
-                <a:latin typeface="Candara" pitchFamily="34" charset="0"/>
-              </a:rPr>
-              <a:t/>
-            </a:r>
-            <a:br>
-              <a:rPr lang="en-US" altLang="zh-CN" sz="1400" dirty="0">
-                <a:solidFill>
-                  <a:schemeClr val="bg1">
-                    <a:lumMod val="50000"/>
-                  </a:schemeClr>
-                </a:solidFill>
-                <a:latin typeface="Candara" pitchFamily="34" charset="0"/>
-              </a:rPr>
-            </a:br>
-            <a:r>
-              <a:rPr lang="en-US" altLang="zh-CN" sz="1400" dirty="0">
-                <a:solidFill>
-                  <a:schemeClr val="bg1">
-                    <a:lumMod val="50000"/>
-                  </a:schemeClr>
-                </a:solidFill>
-                <a:latin typeface="Candara" pitchFamily="34" charset="0"/>
-              </a:rPr>
-              <a:t> * </a:t>
-            </a:r>
-            <a:r>
-              <a:rPr lang="en-US" altLang="zh-CN" sz="1400" b="1" dirty="0">
-                <a:solidFill>
-                  <a:schemeClr val="bg1">
-                    <a:lumMod val="50000"/>
-                  </a:schemeClr>
-                </a:solidFill>
-                <a:latin typeface="Candara" pitchFamily="34" charset="0"/>
-              </a:rPr>
-              <a:t>@</a:t>
-            </a:r>
-            <a:r>
-              <a:rPr lang="en-US" altLang="zh-CN" sz="1400" b="1" dirty="0" err="1">
-                <a:solidFill>
-                  <a:schemeClr val="bg1">
-                    <a:lumMod val="50000"/>
-                  </a:schemeClr>
-                </a:solidFill>
-                <a:latin typeface="Candara" pitchFamily="34" charset="0"/>
-              </a:rPr>
-              <a:t>param</a:t>
-            </a:r>
-            <a:r>
-              <a:rPr lang="en-US" altLang="zh-CN" sz="1400" b="1" dirty="0">
-                <a:solidFill>
-                  <a:schemeClr val="bg1">
-                    <a:lumMod val="50000"/>
-                  </a:schemeClr>
-                </a:solidFill>
-                <a:latin typeface="Candara" pitchFamily="34" charset="0"/>
-              </a:rPr>
-              <a:t>  </a:t>
-            </a:r>
-            <a:r>
-              <a:rPr lang="en-US" altLang="zh-CN" sz="1400" dirty="0">
-                <a:solidFill>
-                  <a:schemeClr val="bg1">
-                    <a:lumMod val="50000"/>
-                  </a:schemeClr>
-                </a:solidFill>
-                <a:latin typeface="Candara" pitchFamily="34" charset="0"/>
-              </a:rPr>
-              <a:t>--&gt; value-result</a:t>
-            </a:r>
-            <a:br>
-              <a:rPr lang="en-US" altLang="zh-CN" sz="1400" dirty="0">
-                <a:solidFill>
-                  <a:schemeClr val="bg1">
-                    <a:lumMod val="50000"/>
-                  </a:schemeClr>
-                </a:solidFill>
-                <a:latin typeface="Candara" pitchFamily="34" charset="0"/>
-              </a:rPr>
-            </a:br>
-            <a:r>
-              <a:rPr lang="en-US" altLang="zh-CN" sz="1400" dirty="0">
-                <a:solidFill>
-                  <a:schemeClr val="bg1">
-                    <a:lumMod val="50000"/>
-                  </a:schemeClr>
-                </a:solidFill>
-                <a:latin typeface="Candara" pitchFamily="34" charset="0"/>
-              </a:rPr>
-              <a:t> * </a:t>
-            </a:r>
-            <a:r>
-              <a:rPr lang="en-US" altLang="zh-CN" sz="1400" b="1" dirty="0">
-                <a:solidFill>
-                  <a:schemeClr val="bg1">
-                    <a:lumMod val="50000"/>
-                  </a:schemeClr>
-                </a:solidFill>
-                <a:latin typeface="Candara" pitchFamily="34" charset="0"/>
-              </a:rPr>
-              <a:t>@return  </a:t>
-            </a:r>
-            <a:r>
-              <a:rPr lang="en-US" altLang="zh-CN" sz="1400" dirty="0">
-                <a:solidFill>
-                  <a:schemeClr val="bg1">
-                    <a:lumMod val="50000"/>
-                  </a:schemeClr>
-                </a:solidFill>
-                <a:latin typeface="Candara" pitchFamily="34" charset="0"/>
-              </a:rPr>
-              <a:t>--&gt; </a:t>
-            </a:r>
-            <a:r>
-              <a:rPr lang="en-US" altLang="zh-CN" sz="1400" b="1" dirty="0">
-                <a:solidFill>
-                  <a:schemeClr val="bg1">
-                    <a:lumMod val="50000"/>
-                  </a:schemeClr>
-                </a:solidFill>
-                <a:latin typeface="Candara" pitchFamily="34" charset="0"/>
-              </a:rPr>
-              <a:t>@returns               </a:t>
-            </a:r>
-            <a:r>
-              <a:rPr lang="en-US" altLang="zh-CN" sz="1400" b="1" dirty="0" smtClean="0">
-                <a:solidFill>
-                  <a:schemeClr val="bg1">
-                    <a:lumMod val="50000"/>
-                  </a:schemeClr>
-                </a:solidFill>
-                <a:latin typeface="Candara" pitchFamily="34" charset="0"/>
-              </a:rPr>
-              <a:t>		</a:t>
-            </a:r>
-            <a:r>
-              <a:rPr lang="en-US" altLang="zh-CN" sz="1400" dirty="0" smtClean="0">
-                <a:solidFill>
-                  <a:schemeClr val="bg1">
-                    <a:lumMod val="50000"/>
-                  </a:schemeClr>
-                </a:solidFill>
-                <a:latin typeface="Candara" pitchFamily="34" charset="0"/>
-              </a:rPr>
-              <a:t>return </a:t>
-            </a:r>
-            <a:r>
-              <a:rPr lang="en-US" altLang="zh-CN" sz="1400" dirty="0">
-                <a:solidFill>
-                  <a:schemeClr val="bg1">
-                    <a:lumMod val="50000"/>
-                  </a:schemeClr>
-                </a:solidFill>
-                <a:latin typeface="Candara" pitchFamily="34" charset="0"/>
-              </a:rPr>
-              <a:t>of function</a:t>
-            </a:r>
-            <a:br>
-              <a:rPr lang="en-US" altLang="zh-CN" sz="1400" dirty="0">
-                <a:solidFill>
-                  <a:schemeClr val="bg1">
-                    <a:lumMod val="50000"/>
-                  </a:schemeClr>
-                </a:solidFill>
-                <a:latin typeface="Candara" pitchFamily="34" charset="0"/>
-              </a:rPr>
-            </a:br>
-            <a:r>
-              <a:rPr lang="en-US" altLang="zh-CN" sz="1400" dirty="0">
-                <a:solidFill>
-                  <a:schemeClr val="bg1">
-                    <a:lumMod val="50000"/>
-                  </a:schemeClr>
-                </a:solidFill>
-                <a:latin typeface="Candara" pitchFamily="34" charset="0"/>
-              </a:rPr>
-              <a:t> * </a:t>
-            </a:r>
-            <a:r>
-              <a:rPr lang="en-US" altLang="zh-CN" sz="1400" b="1" dirty="0">
-                <a:solidFill>
-                  <a:schemeClr val="bg1">
-                    <a:lumMod val="50000"/>
-                  </a:schemeClr>
-                </a:solidFill>
-                <a:latin typeface="Candara" pitchFamily="34" charset="0"/>
-              </a:rPr>
-              <a:t>@throw                          </a:t>
-            </a:r>
-            <a:r>
-              <a:rPr lang="en-US" altLang="zh-CN" sz="1400" b="1" dirty="0" smtClean="0">
-                <a:solidFill>
-                  <a:schemeClr val="bg1">
-                    <a:lumMod val="50000"/>
-                  </a:schemeClr>
-                </a:solidFill>
-                <a:latin typeface="Candara" pitchFamily="34" charset="0"/>
-              </a:rPr>
-              <a:t>			</a:t>
-            </a:r>
-            <a:r>
-              <a:rPr lang="en-US" altLang="zh-CN" sz="1400" dirty="0" smtClean="0">
-                <a:solidFill>
-                  <a:schemeClr val="bg1">
-                    <a:lumMod val="50000"/>
-                  </a:schemeClr>
-                </a:solidFill>
-                <a:latin typeface="Candara" pitchFamily="34" charset="0"/>
-              </a:rPr>
-              <a:t>throw </a:t>
-            </a:r>
-            <a:r>
-              <a:rPr lang="en-US" altLang="zh-CN" sz="1400" dirty="0">
-                <a:solidFill>
-                  <a:schemeClr val="bg1">
-                    <a:lumMod val="50000"/>
-                  </a:schemeClr>
-                </a:solidFill>
-                <a:latin typeface="Candara" pitchFamily="34" charset="0"/>
-              </a:rPr>
-              <a:t>exception</a:t>
-            </a:r>
-            <a:br>
-              <a:rPr lang="en-US" altLang="zh-CN" sz="1400" dirty="0">
-                <a:solidFill>
-                  <a:schemeClr val="bg1">
-                    <a:lumMod val="50000"/>
-                  </a:schemeClr>
-                </a:solidFill>
-                <a:latin typeface="Candara" pitchFamily="34" charset="0"/>
-              </a:rPr>
-            </a:br>
-            <a:r>
-              <a:rPr lang="en-US" altLang="zh-CN" sz="1400" dirty="0">
-                <a:solidFill>
-                  <a:schemeClr val="bg1">
-                    <a:lumMod val="50000"/>
-                  </a:schemeClr>
-                </a:solidFill>
-                <a:latin typeface="Candara" pitchFamily="34" charset="0"/>
-              </a:rPr>
-              <a:t> * </a:t>
-            </a:r>
-            <a:r>
-              <a:rPr lang="en-US" altLang="zh-CN" sz="1400" b="1" dirty="0">
-                <a:solidFill>
-                  <a:schemeClr val="bg1">
-                    <a:lumMod val="50000"/>
-                  </a:schemeClr>
-                </a:solidFill>
-                <a:latin typeface="Candara" pitchFamily="34" charset="0"/>
-              </a:rPr>
-              <a:t>@</a:t>
-            </a:r>
-            <a:r>
-              <a:rPr lang="en-US" altLang="zh-CN" sz="1400" b="1" dirty="0" err="1">
-                <a:solidFill>
-                  <a:schemeClr val="bg1">
-                    <a:lumMod val="50000"/>
-                  </a:schemeClr>
-                </a:solidFill>
-                <a:latin typeface="Candara" pitchFamily="34" charset="0"/>
-              </a:rPr>
-              <a:t>todo</a:t>
-            </a:r>
-            <a:r>
-              <a:rPr lang="en-US" altLang="zh-CN" sz="1400" b="1" dirty="0">
-                <a:solidFill>
-                  <a:schemeClr val="bg1">
-                    <a:lumMod val="50000"/>
-                  </a:schemeClr>
-                </a:solidFill>
-                <a:latin typeface="Candara" pitchFamily="34" charset="0"/>
-              </a:rPr>
-              <a:t/>
-            </a:r>
-            <a:br>
-              <a:rPr lang="en-US" altLang="zh-CN" sz="1400" b="1" dirty="0">
-                <a:solidFill>
-                  <a:schemeClr val="bg1">
-                    <a:lumMod val="50000"/>
-                  </a:schemeClr>
-                </a:solidFill>
-                <a:latin typeface="Candara" pitchFamily="34" charset="0"/>
-              </a:rPr>
-            </a:br>
-            <a:r>
-              <a:rPr lang="en-US" altLang="zh-CN" sz="1400" b="1" dirty="0">
-                <a:solidFill>
-                  <a:schemeClr val="bg1">
-                    <a:lumMod val="50000"/>
-                  </a:schemeClr>
-                </a:solidFill>
-                <a:latin typeface="Candara" pitchFamily="34" charset="0"/>
-              </a:rPr>
-              <a:t> </a:t>
-            </a:r>
-            <a:r>
-              <a:rPr lang="en-US" altLang="zh-CN" sz="1400" dirty="0">
-                <a:solidFill>
-                  <a:schemeClr val="bg1">
-                    <a:lumMod val="50000"/>
-                  </a:schemeClr>
-                </a:solidFill>
-                <a:latin typeface="Candara" pitchFamily="34" charset="0"/>
-              </a:rPr>
-              <a:t>* </a:t>
-            </a:r>
-            <a:r>
-              <a:rPr lang="en-US" altLang="zh-CN" sz="1400" b="1" dirty="0">
-                <a:solidFill>
-                  <a:schemeClr val="bg1">
-                    <a:lumMod val="50000"/>
-                  </a:schemeClr>
-                </a:solidFill>
-                <a:latin typeface="Candara" pitchFamily="34" charset="0"/>
-              </a:rPr>
-              <a:t>@see   </a:t>
-            </a:r>
-            <a:r>
-              <a:rPr lang="en-US" altLang="zh-CN" sz="1400" dirty="0">
-                <a:solidFill>
-                  <a:schemeClr val="bg1">
-                    <a:lumMod val="50000"/>
-                  </a:schemeClr>
-                </a:solidFill>
-                <a:latin typeface="Candara" pitchFamily="34" charset="0"/>
-              </a:rPr>
-              <a:t>--&gt; </a:t>
-            </a:r>
-            <a:r>
-              <a:rPr lang="en-US" altLang="zh-CN" sz="1400" b="1" dirty="0">
-                <a:solidFill>
-                  <a:schemeClr val="bg1">
-                    <a:lumMod val="50000"/>
-                  </a:schemeClr>
-                </a:solidFill>
-                <a:latin typeface="Candara" pitchFamily="34" charset="0"/>
-              </a:rPr>
-              <a:t>@link @tutorial           </a:t>
-            </a:r>
-            <a:r>
-              <a:rPr lang="en-US" altLang="zh-CN" sz="1400" b="1" dirty="0" smtClean="0">
-                <a:solidFill>
-                  <a:schemeClr val="bg1">
-                    <a:lumMod val="50000"/>
-                  </a:schemeClr>
-                </a:solidFill>
-                <a:latin typeface="Candara" pitchFamily="34" charset="0"/>
-              </a:rPr>
-              <a:t>		</a:t>
-            </a:r>
-            <a:r>
-              <a:rPr lang="en-US" altLang="zh-CN" sz="1400" dirty="0" smtClean="0">
-                <a:solidFill>
-                  <a:schemeClr val="bg1">
-                    <a:lumMod val="50000"/>
-                  </a:schemeClr>
-                </a:solidFill>
-                <a:latin typeface="Candara" pitchFamily="34" charset="0"/>
-              </a:rPr>
-              <a:t>see </a:t>
-            </a:r>
-            <a:r>
-              <a:rPr lang="en-US" altLang="zh-CN" sz="1400" dirty="0">
-                <a:solidFill>
-                  <a:schemeClr val="bg1">
-                    <a:lumMod val="50000"/>
-                  </a:schemeClr>
-                </a:solidFill>
-                <a:latin typeface="Candara" pitchFamily="34" charset="0"/>
-              </a:rPr>
-              <a:t>the link</a:t>
-            </a:r>
-            <a:br>
-              <a:rPr lang="en-US" altLang="zh-CN" sz="1400" dirty="0">
-                <a:solidFill>
-                  <a:schemeClr val="bg1">
-                    <a:lumMod val="50000"/>
-                  </a:schemeClr>
-                </a:solidFill>
-                <a:latin typeface="Candara" pitchFamily="34" charset="0"/>
-              </a:rPr>
-            </a:br>
-            <a:r>
-              <a:rPr lang="en-US" altLang="zh-CN" sz="1400" dirty="0">
-                <a:solidFill>
-                  <a:schemeClr val="bg1">
-                    <a:lumMod val="50000"/>
-                  </a:schemeClr>
-                </a:solidFill>
-                <a:latin typeface="Candara" pitchFamily="34" charset="0"/>
-              </a:rPr>
-              <a:t> * </a:t>
-            </a:r>
-            <a:r>
-              <a:rPr lang="en-US" altLang="zh-CN" sz="1400" b="1" dirty="0">
-                <a:solidFill>
-                  <a:schemeClr val="bg1">
-                    <a:lumMod val="50000"/>
-                  </a:schemeClr>
-                </a:solidFill>
-                <a:latin typeface="Candara" pitchFamily="34" charset="0"/>
-              </a:rPr>
-              <a:t>@author</a:t>
-            </a:r>
-            <a:br>
-              <a:rPr lang="en-US" altLang="zh-CN" sz="1400" b="1" dirty="0">
-                <a:solidFill>
-                  <a:schemeClr val="bg1">
-                    <a:lumMod val="50000"/>
-                  </a:schemeClr>
-                </a:solidFill>
-                <a:latin typeface="Candara" pitchFamily="34" charset="0"/>
-              </a:rPr>
-            </a:br>
-            <a:r>
-              <a:rPr lang="en-US" altLang="zh-CN" sz="1400" b="1" dirty="0">
-                <a:solidFill>
-                  <a:schemeClr val="bg1">
-                    <a:lumMod val="50000"/>
-                  </a:schemeClr>
-                </a:solidFill>
-                <a:latin typeface="Candara" pitchFamily="34" charset="0"/>
-              </a:rPr>
-              <a:t> </a:t>
-            </a:r>
-            <a:r>
-              <a:rPr lang="en-US" altLang="zh-CN" sz="1400" dirty="0">
-                <a:solidFill>
-                  <a:schemeClr val="bg1">
-                    <a:lumMod val="50000"/>
-                  </a:schemeClr>
-                </a:solidFill>
-                <a:latin typeface="Candara" pitchFamily="34" charset="0"/>
-              </a:rPr>
-              <a:t>* </a:t>
-            </a:r>
-            <a:r>
-              <a:rPr lang="en-US" altLang="zh-CN" sz="1400" b="1" dirty="0">
-                <a:solidFill>
-                  <a:schemeClr val="bg1">
-                    <a:lumMod val="50000"/>
-                  </a:schemeClr>
-                </a:solidFill>
-                <a:latin typeface="Candara" pitchFamily="34" charset="0"/>
-              </a:rPr>
-              <a:t>@version</a:t>
-            </a:r>
-            <a:br>
-              <a:rPr lang="en-US" altLang="zh-CN" sz="1400" b="1" dirty="0">
-                <a:solidFill>
-                  <a:schemeClr val="bg1">
-                    <a:lumMod val="50000"/>
-                  </a:schemeClr>
-                </a:solidFill>
-                <a:latin typeface="Candara" pitchFamily="34" charset="0"/>
-              </a:rPr>
-            </a:br>
-            <a:r>
-              <a:rPr lang="en-US" altLang="zh-CN" sz="1400" b="1" dirty="0">
-                <a:solidFill>
-                  <a:schemeClr val="bg1">
-                    <a:lumMod val="50000"/>
-                  </a:schemeClr>
-                </a:solidFill>
-                <a:latin typeface="Candara" pitchFamily="34" charset="0"/>
-              </a:rPr>
-              <a:t> </a:t>
-            </a:r>
-            <a:r>
-              <a:rPr lang="en-US" altLang="zh-CN" sz="1400" dirty="0">
-                <a:solidFill>
-                  <a:schemeClr val="bg1">
-                    <a:lumMod val="50000"/>
-                  </a:schemeClr>
-                </a:solidFill>
-                <a:latin typeface="Candara" pitchFamily="34" charset="0"/>
-              </a:rPr>
-              <a:t>* </a:t>
-            </a:r>
-            <a:r>
-              <a:rPr lang="en-US" altLang="zh-CN" sz="1400" b="1" dirty="0">
-                <a:solidFill>
-                  <a:schemeClr val="bg1">
-                    <a:lumMod val="50000"/>
-                  </a:schemeClr>
-                </a:solidFill>
-                <a:latin typeface="Candara" pitchFamily="34" charset="0"/>
-              </a:rPr>
-              <a:t>@example</a:t>
-            </a:r>
-            <a:br>
-              <a:rPr lang="en-US" altLang="zh-CN" sz="1400" b="1" dirty="0">
-                <a:solidFill>
-                  <a:schemeClr val="bg1">
-                    <a:lumMod val="50000"/>
-                  </a:schemeClr>
-                </a:solidFill>
-                <a:latin typeface="Candara" pitchFamily="34" charset="0"/>
-              </a:rPr>
-            </a:br>
-            <a:r>
-              <a:rPr lang="en-US" altLang="zh-CN" sz="1400" b="1" dirty="0">
-                <a:solidFill>
-                  <a:schemeClr val="bg1">
-                    <a:lumMod val="50000"/>
-                  </a:schemeClr>
-                </a:solidFill>
-                <a:latin typeface="Candara" pitchFamily="34" charset="0"/>
-              </a:rPr>
-              <a:t> </a:t>
-            </a:r>
-            <a:r>
-              <a:rPr lang="en-US" altLang="zh-CN" sz="1400" dirty="0">
-                <a:solidFill>
-                  <a:schemeClr val="bg1">
-                    <a:lumMod val="50000"/>
-                  </a:schemeClr>
-                </a:solidFill>
-                <a:latin typeface="Candara" pitchFamily="34" charset="0"/>
-              </a:rPr>
-              <a:t>* </a:t>
-            </a:r>
-            <a:r>
-              <a:rPr lang="en-US" altLang="zh-CN" sz="1400" b="1" dirty="0">
-                <a:solidFill>
-                  <a:schemeClr val="bg1">
-                    <a:lumMod val="50000"/>
-                  </a:schemeClr>
-                </a:solidFill>
-                <a:latin typeface="Candara" pitchFamily="34" charset="0"/>
-              </a:rPr>
-              <a:t>@extends </a:t>
-            </a:r>
-            <a:r>
-              <a:rPr lang="en-US" altLang="zh-CN" sz="1400" dirty="0">
-                <a:solidFill>
-                  <a:schemeClr val="bg1">
-                    <a:lumMod val="50000"/>
-                  </a:schemeClr>
-                </a:solidFill>
-                <a:latin typeface="Candara" pitchFamily="34" charset="0"/>
-              </a:rPr>
-              <a:t>--&gt; </a:t>
-            </a:r>
-            <a:r>
-              <a:rPr lang="en-US" altLang="zh-CN" sz="1400" b="1" dirty="0">
-                <a:solidFill>
-                  <a:schemeClr val="bg1">
-                    <a:lumMod val="50000"/>
-                  </a:schemeClr>
-                </a:solidFill>
-                <a:latin typeface="Candara" pitchFamily="34" charset="0"/>
-              </a:rPr>
-              <a:t>@derive</a:t>
-            </a:r>
-            <a:br>
-              <a:rPr lang="en-US" altLang="zh-CN" sz="1400" b="1" dirty="0">
-                <a:solidFill>
-                  <a:schemeClr val="bg1">
-                    <a:lumMod val="50000"/>
-                  </a:schemeClr>
-                </a:solidFill>
-                <a:latin typeface="Candara" pitchFamily="34" charset="0"/>
-              </a:rPr>
-            </a:br>
-            <a:r>
-              <a:rPr lang="en-US" altLang="zh-CN" sz="1400" b="1" dirty="0">
-                <a:solidFill>
-                  <a:schemeClr val="bg1">
-                    <a:lumMod val="50000"/>
-                  </a:schemeClr>
-                </a:solidFill>
-                <a:latin typeface="Candara" pitchFamily="34" charset="0"/>
-              </a:rPr>
-              <a:t> </a:t>
-            </a:r>
-            <a:r>
-              <a:rPr lang="en-US" altLang="zh-CN" sz="1400" dirty="0">
-                <a:solidFill>
-                  <a:schemeClr val="bg1">
-                    <a:lumMod val="50000"/>
-                  </a:schemeClr>
-                </a:solidFill>
-                <a:latin typeface="Candara" pitchFamily="34" charset="0"/>
-              </a:rPr>
-              <a:t>* </a:t>
-            </a:r>
-            <a:r>
-              <a:rPr lang="en-US" altLang="zh-CN" sz="1400" b="1" dirty="0">
-                <a:solidFill>
-                  <a:schemeClr val="bg1">
-                    <a:lumMod val="50000"/>
-                  </a:schemeClr>
-                </a:solidFill>
-                <a:latin typeface="Candara" pitchFamily="34" charset="0"/>
-              </a:rPr>
-              <a:t>@note  </a:t>
-            </a:r>
-            <a:r>
-              <a:rPr lang="en-US" altLang="zh-CN" sz="1400" dirty="0">
-                <a:solidFill>
-                  <a:schemeClr val="bg1">
-                    <a:lumMod val="50000"/>
-                  </a:schemeClr>
-                </a:solidFill>
-                <a:latin typeface="Candara" pitchFamily="34" charset="0"/>
-              </a:rPr>
-              <a:t>--&gt;   </a:t>
-            </a:r>
-            <a:r>
-              <a:rPr lang="en-US" altLang="zh-CN" sz="1400" b="1" dirty="0">
-                <a:solidFill>
-                  <a:schemeClr val="bg1">
-                    <a:lumMod val="50000"/>
-                  </a:schemeClr>
-                </a:solidFill>
-                <a:latin typeface="Candara" pitchFamily="34" charset="0"/>
-              </a:rPr>
-              <a:t>@remind                   </a:t>
-            </a:r>
-            <a:r>
-              <a:rPr lang="en-US" altLang="zh-CN" sz="1400" b="1" dirty="0" smtClean="0">
-                <a:solidFill>
-                  <a:schemeClr val="bg1">
-                    <a:lumMod val="50000"/>
-                  </a:schemeClr>
-                </a:solidFill>
-                <a:latin typeface="Candara" pitchFamily="34" charset="0"/>
-              </a:rPr>
-              <a:t>		</a:t>
-            </a:r>
-            <a:r>
-              <a:rPr lang="en-US" altLang="zh-CN" sz="1400" dirty="0" smtClean="0">
-                <a:solidFill>
-                  <a:schemeClr val="bg1">
-                    <a:lumMod val="50000"/>
-                  </a:schemeClr>
-                </a:solidFill>
-                <a:latin typeface="Candara" pitchFamily="34" charset="0"/>
-              </a:rPr>
-              <a:t>note</a:t>
-            </a:r>
-            <a:r>
-              <a:rPr lang="en-US" altLang="zh-CN" sz="1400" dirty="0">
-                <a:solidFill>
-                  <a:schemeClr val="bg1">
-                    <a:lumMod val="50000"/>
-                  </a:schemeClr>
-                </a:solidFill>
-                <a:latin typeface="Candara" pitchFamily="34" charset="0"/>
-              </a:rPr>
-              <a:t/>
-            </a:r>
-            <a:br>
-              <a:rPr lang="en-US" altLang="zh-CN" sz="1400" dirty="0">
-                <a:solidFill>
-                  <a:schemeClr val="bg1">
-                    <a:lumMod val="50000"/>
-                  </a:schemeClr>
-                </a:solidFill>
-                <a:latin typeface="Candara" pitchFamily="34" charset="0"/>
-              </a:rPr>
-            </a:br>
-            <a:r>
-              <a:rPr lang="en-US" altLang="zh-CN" sz="1400" dirty="0">
-                <a:solidFill>
-                  <a:schemeClr val="bg1">
-                    <a:lumMod val="50000"/>
-                  </a:schemeClr>
-                </a:solidFill>
-                <a:latin typeface="Candara" pitchFamily="34" charset="0"/>
-              </a:rPr>
-              <a:t> </a:t>
-            </a:r>
-            <a:r>
-              <a:rPr lang="en-US" altLang="zh-CN" sz="1400" dirty="0" smtClean="0">
-                <a:solidFill>
-                  <a:schemeClr val="bg1">
-                    <a:lumMod val="50000"/>
-                  </a:schemeClr>
-                </a:solidFill>
-                <a:latin typeface="Candara" pitchFamily="34" charset="0"/>
-              </a:rPr>
-              <a:t>*/</a:t>
-            </a:r>
-          </a:p>
-          <a:p>
-            <a:r>
-              <a:rPr lang="en-US" altLang="zh-CN" sz="1400" dirty="0" smtClean="0">
-                <a:solidFill>
-                  <a:schemeClr val="bg1">
-                    <a:lumMod val="50000"/>
-                  </a:schemeClr>
-                </a:solidFill>
-                <a:latin typeface="Candara" pitchFamily="34" charset="0"/>
-              </a:rPr>
-              <a:t>class </a:t>
-            </a:r>
-            <a:r>
-              <a:rPr lang="en-US" altLang="zh-CN" sz="1400" dirty="0" err="1" smtClean="0">
-                <a:solidFill>
-                  <a:schemeClr val="bg1">
-                    <a:lumMod val="50000"/>
-                  </a:schemeClr>
-                </a:solidFill>
-                <a:latin typeface="Candara" pitchFamily="34" charset="0"/>
-              </a:rPr>
-              <a:t>HelloAario</a:t>
-            </a:r>
-            <a:r>
-              <a:rPr lang="en-US" altLang="zh-CN" sz="1400" dirty="0" smtClean="0">
-                <a:solidFill>
-                  <a:schemeClr val="bg1">
-                    <a:lumMod val="50000"/>
-                  </a:schemeClr>
-                </a:solidFill>
-                <a:latin typeface="Candara" pitchFamily="34" charset="0"/>
-              </a:rPr>
-              <a:t> extends </a:t>
-            </a:r>
-            <a:r>
-              <a:rPr lang="en-US" altLang="zh-CN" sz="1400" dirty="0" err="1" smtClean="0">
-                <a:solidFill>
-                  <a:schemeClr val="bg1">
-                    <a:lumMod val="50000"/>
-                  </a:schemeClr>
-                </a:solidFill>
-                <a:latin typeface="Candara" pitchFamily="34" charset="0"/>
-              </a:rPr>
-              <a:t>Aario</a:t>
-            </a:r>
-            <a:r>
-              <a:rPr lang="en-US" altLang="zh-CN" sz="1400" dirty="0" smtClean="0">
-                <a:solidFill>
-                  <a:schemeClr val="bg1">
-                    <a:lumMod val="50000"/>
-                  </a:schemeClr>
-                </a:solidFill>
-                <a:latin typeface="Candara" pitchFamily="34" charset="0"/>
-              </a:rPr>
-              <a:t> {</a:t>
-            </a:r>
-          </a:p>
-          <a:p>
-            <a:endParaRPr lang="en-US" altLang="zh-CN" sz="1400" dirty="0">
-              <a:solidFill>
-                <a:schemeClr val="bg1">
-                  <a:lumMod val="50000"/>
-                </a:schemeClr>
-              </a:solidFill>
-              <a:latin typeface="Candara" pitchFamily="34" charset="0"/>
-            </a:endParaRPr>
-          </a:p>
-          <a:p>
-            <a:endParaRPr lang="en-US" altLang="zh-CN" sz="1400" dirty="0" smtClean="0">
-              <a:solidFill>
-                <a:schemeClr val="bg1">
-                  <a:lumMod val="50000"/>
-                </a:schemeClr>
-              </a:solidFill>
-              <a:latin typeface="Candara" pitchFamily="34" charset="0"/>
-            </a:endParaRPr>
-          </a:p>
-          <a:p>
-            <a:endParaRPr lang="en-US" altLang="zh-CN" sz="1400" dirty="0">
-              <a:solidFill>
-                <a:schemeClr val="bg1">
-                  <a:lumMod val="50000"/>
-                </a:schemeClr>
-              </a:solidFill>
-              <a:latin typeface="Candara" pitchFamily="34" charset="0"/>
-            </a:endParaRPr>
-          </a:p>
-          <a:p>
-            <a:endParaRPr lang="en-US" altLang="zh-CN" sz="1400" dirty="0" smtClean="0">
-              <a:solidFill>
-                <a:schemeClr val="bg1">
-                  <a:lumMod val="50000"/>
-                </a:schemeClr>
-              </a:solidFill>
-              <a:latin typeface="Candara" pitchFamily="34" charset="0"/>
-            </a:endParaRPr>
-          </a:p>
-          <a:p>
-            <a:endParaRPr lang="en-US" altLang="zh-CN" sz="1400" dirty="0" smtClean="0">
-              <a:solidFill>
-                <a:schemeClr val="bg1">
-                  <a:lumMod val="50000"/>
-                </a:schemeClr>
-              </a:solidFill>
-              <a:latin typeface="Candara" pitchFamily="34" charset="0"/>
-            </a:endParaRPr>
-          </a:p>
-          <a:p>
-            <a:r>
-              <a:rPr lang="en-US" altLang="zh-CN" sz="1400" dirty="0">
-                <a:solidFill>
-                  <a:schemeClr val="bg1">
-                    <a:lumMod val="50000"/>
-                  </a:schemeClr>
-                </a:solidFill>
-                <a:latin typeface="Candara" pitchFamily="34" charset="0"/>
-              </a:rPr>
-              <a:t> </a:t>
-            </a:r>
-            <a:r>
-              <a:rPr lang="en-US" altLang="zh-CN" sz="1400" dirty="0" smtClean="0">
-                <a:solidFill>
-                  <a:schemeClr val="bg1">
-                    <a:lumMod val="50000"/>
-                  </a:schemeClr>
-                </a:solidFill>
-                <a:latin typeface="Candara" pitchFamily="34" charset="0"/>
-              </a:rPr>
-              <a:t>   </a:t>
-            </a:r>
-          </a:p>
-          <a:p>
-            <a:r>
-              <a:rPr lang="en-US" altLang="zh-CN" sz="1400" dirty="0" smtClean="0">
-                <a:solidFill>
-                  <a:schemeClr val="bg1">
-                    <a:lumMod val="50000"/>
-                  </a:schemeClr>
-                </a:solidFill>
-                <a:latin typeface="Candara" pitchFamily="34" charset="0"/>
-              </a:rPr>
-              <a:t>}</a:t>
-            </a:r>
-            <a:endParaRPr lang="zh-CN" altLang="en-US" sz="1400" dirty="0">
-              <a:solidFill>
-                <a:schemeClr val="bg1">
-                  <a:lumMod val="50000"/>
-                </a:schemeClr>
-              </a:solidFill>
-              <a:latin typeface="Candara" pitchFamily="34" charset="0"/>
-            </a:endParaRPr>
-          </a:p>
-        </p:txBody>
-      </p:sp>
-      <p:sp>
-        <p:nvSpPr>
-          <p:cNvPr id="9" name="矩形 8"/>
-          <p:cNvSpPr/>
-          <p:nvPr/>
-        </p:nvSpPr>
-        <p:spPr>
-          <a:xfrm>
-            <a:off x="2760832" y="4812159"/>
-            <a:ext cx="3002745" cy="923330"/>
-          </a:xfrm>
-          <a:prstGeom prst="rect">
-            <a:avLst/>
-          </a:prstGeom>
-          <a:noFill/>
-        </p:spPr>
-        <p:txBody>
-          <a:bodyPr wrap="none" lIns="91440" tIns="45720" rIns="91440" bIns="45720">
-            <a:spAutoFit/>
-            <a:scene3d>
-              <a:camera prst="orthographicFront"/>
-              <a:lightRig rig="balanced" dir="t">
-                <a:rot lat="0" lon="0" rev="2100000"/>
-              </a:lightRig>
-            </a:scene3d>
-            <a:sp3d extrusionH="57150" prstMaterial="metal">
-              <a:bevelT w="38100" h="25400"/>
-              <a:contourClr>
-                <a:schemeClr val="bg2"/>
-              </a:contourClr>
-            </a:sp3d>
-          </a:bodyPr>
-          <a:lstStyle/>
-          <a:p>
-            <a:pPr algn="ctr"/>
-            <a:r>
-              <a:rPr lang="en-US" altLang="zh-CN" sz="5400" b="1" cap="none" spc="0" dirty="0" smtClean="0">
-                <a:ln w="50800"/>
-                <a:solidFill>
-                  <a:schemeClr val="bg1">
-                    <a:shade val="50000"/>
-                  </a:schemeClr>
-                </a:solidFill>
-                <a:effectLst/>
-              </a:rPr>
-              <a:t>Comment</a:t>
-            </a:r>
-            <a:endParaRPr lang="zh-CN" altLang="en-US" sz="5400" b="1" cap="none" spc="0" dirty="0">
-              <a:ln w="50800"/>
-              <a:solidFill>
-                <a:schemeClr val="bg1">
-                  <a:shade val="50000"/>
-                </a:schemeClr>
-              </a:solidFill>
-              <a:effectLst/>
-            </a:endParaRPr>
-          </a:p>
-        </p:txBody>
-      </p:sp>
-    </p:spTree>
-    <p:extLst>
-      <p:ext uri="{BB962C8B-B14F-4D97-AF65-F5344CB8AC3E}">
-        <p14:creationId xmlns:p14="http://schemas.microsoft.com/office/powerpoint/2010/main" val="833904844"/>
-      </p:ext>
-    </p:extLst>
-  </p:cSld>
-  <p:clrMapOvr>
-    <a:masterClrMapping/>
-  </p:clrMapOvr>
-</p:sld>
-</file>
-
 <file path=ppt/slides/slide7.xml><?xml version="1.0" encoding="utf-8"?>
 <p:sld xmlns:a="http://schemas.openxmlformats.org/drawingml/2006/main" xmlns:r="http://schemas.openxmlformats.org/officeDocument/2006/relationships" xmlns:p="http://schemas.openxmlformats.org/presentationml/2006/main">
   <p:cSld>
@@ -5246,6 +4206,1079 @@
       </p:grpSpPr>
       <p:sp>
         <p:nvSpPr>
+          <p:cNvPr id="8" name="TextBox 7"/>
+          <p:cNvSpPr txBox="1"/>
+          <p:nvPr/>
+        </p:nvSpPr>
+        <p:spPr>
+          <a:xfrm>
+            <a:off x="2100089" y="692696"/>
+            <a:ext cx="5184576" cy="5478423"/>
+          </a:xfrm>
+          <a:prstGeom prst="rect">
+            <a:avLst/>
+          </a:prstGeom>
+          <a:noFill/>
+        </p:spPr>
+        <p:txBody>
+          <a:bodyPr wrap="square" rtlCol="0">
+            <a:spAutoFit/>
+          </a:bodyPr>
+          <a:lstStyle/>
+          <a:p>
+            <a:r>
+              <a:rPr lang="en-US" altLang="zh-CN" sz="1400" dirty="0">
+                <a:solidFill>
+                  <a:schemeClr val="bg1">
+                    <a:lumMod val="50000"/>
+                  </a:schemeClr>
+                </a:solidFill>
+                <a:latin typeface="Candara" pitchFamily="34" charset="0"/>
+              </a:rPr>
+              <a:t>/**</a:t>
+            </a:r>
+          </a:p>
+          <a:p>
+            <a:r>
+              <a:rPr lang="en-US" altLang="zh-CN" sz="1400" dirty="0">
+                <a:solidFill>
+                  <a:schemeClr val="bg1">
+                    <a:lumMod val="50000"/>
+                  </a:schemeClr>
+                </a:solidFill>
+                <a:latin typeface="Candara" pitchFamily="34" charset="0"/>
+              </a:rPr>
+              <a:t> * Commentary Topic</a:t>
+            </a:r>
+          </a:p>
+          <a:p>
+            <a:r>
+              <a:rPr lang="en-US" altLang="zh-CN" sz="1400" dirty="0">
+                <a:solidFill>
+                  <a:schemeClr val="bg1">
+                    <a:lumMod val="50000"/>
+                  </a:schemeClr>
+                </a:solidFill>
+                <a:latin typeface="Candara" pitchFamily="34" charset="0"/>
+              </a:rPr>
+              <a:t> *     This is the content of the commentary.</a:t>
+            </a:r>
+          </a:p>
+          <a:p>
+            <a:r>
+              <a:rPr lang="en-US" altLang="zh-CN" sz="1400" dirty="0">
+                <a:solidFill>
+                  <a:schemeClr val="bg1">
+                    <a:lumMod val="50000"/>
+                  </a:schemeClr>
+                </a:solidFill>
+                <a:latin typeface="Candara" pitchFamily="34" charset="0"/>
+              </a:rPr>
+              <a:t> *      Keep align it when break lines</a:t>
+            </a:r>
+            <a:br>
+              <a:rPr lang="en-US" altLang="zh-CN" sz="1400" dirty="0">
+                <a:solidFill>
+                  <a:schemeClr val="bg1">
+                    <a:lumMod val="50000"/>
+                  </a:schemeClr>
+                </a:solidFill>
+                <a:latin typeface="Candara" pitchFamily="34" charset="0"/>
+              </a:rPr>
+            </a:br>
+            <a:r>
+              <a:rPr lang="en-US" altLang="zh-CN" sz="1400" dirty="0">
+                <a:solidFill>
+                  <a:schemeClr val="bg1">
+                    <a:lumMod val="50000"/>
+                  </a:schemeClr>
+                </a:solidFill>
+                <a:latin typeface="Candara" pitchFamily="34" charset="0"/>
+              </a:rPr>
+              <a:t> * </a:t>
+            </a:r>
+            <a:r>
+              <a:rPr lang="en-US" altLang="zh-CN" sz="1400" b="1" dirty="0">
+                <a:solidFill>
+                  <a:schemeClr val="bg1">
+                    <a:lumMod val="50000"/>
+                  </a:schemeClr>
+                </a:solidFill>
+                <a:latin typeface="Candara" pitchFamily="34" charset="0"/>
+              </a:rPr>
+              <a:t>@</a:t>
+            </a:r>
+            <a:r>
+              <a:rPr lang="en-US" altLang="zh-CN" sz="1400" b="1" dirty="0" err="1">
+                <a:solidFill>
+                  <a:schemeClr val="bg1">
+                    <a:lumMod val="50000"/>
+                  </a:schemeClr>
+                </a:solidFill>
+                <a:latin typeface="Candara" pitchFamily="34" charset="0"/>
+              </a:rPr>
+              <a:t>var</a:t>
+            </a:r>
+            <a:r>
+              <a:rPr lang="en-US" altLang="zh-CN" sz="1400" b="1" dirty="0">
+                <a:solidFill>
+                  <a:schemeClr val="bg1">
+                    <a:lumMod val="50000"/>
+                  </a:schemeClr>
+                </a:solidFill>
+                <a:latin typeface="Candara" pitchFamily="34" charset="0"/>
+              </a:rPr>
+              <a:t>   </a:t>
+            </a:r>
+            <a:r>
+              <a:rPr lang="en-US" altLang="zh-CN" sz="1400" dirty="0">
+                <a:solidFill>
+                  <a:schemeClr val="bg1">
+                    <a:lumMod val="50000"/>
+                  </a:schemeClr>
+                </a:solidFill>
+                <a:latin typeface="Candara" pitchFamily="34" charset="0"/>
+              </a:rPr>
+              <a:t>--&gt; </a:t>
+            </a:r>
+            <a:r>
+              <a:rPr lang="en-US" altLang="zh-CN" sz="1400" b="1" dirty="0">
+                <a:solidFill>
+                  <a:schemeClr val="bg1">
+                    <a:lumMod val="50000"/>
+                  </a:schemeClr>
+                </a:solidFill>
+                <a:latin typeface="Candara" pitchFamily="34" charset="0"/>
+              </a:rPr>
+              <a:t>@field  @constant  @define    	</a:t>
+            </a:r>
+            <a:r>
+              <a:rPr lang="en-US" altLang="zh-CN" sz="1400" dirty="0">
+                <a:solidFill>
+                  <a:schemeClr val="bg1">
+                    <a:lumMod val="50000"/>
+                  </a:schemeClr>
+                </a:solidFill>
+                <a:latin typeface="Candara" pitchFamily="34" charset="0"/>
+              </a:rPr>
+              <a:t>variable</a:t>
+            </a:r>
+            <a:br>
+              <a:rPr lang="en-US" altLang="zh-CN" sz="1400" dirty="0">
+                <a:solidFill>
+                  <a:schemeClr val="bg1">
+                    <a:lumMod val="50000"/>
+                  </a:schemeClr>
+                </a:solidFill>
+                <a:latin typeface="Candara" pitchFamily="34" charset="0"/>
+              </a:rPr>
+            </a:br>
+            <a:r>
+              <a:rPr lang="en-US" altLang="zh-CN" sz="1400" dirty="0">
+                <a:solidFill>
+                  <a:schemeClr val="bg1">
+                    <a:lumMod val="50000"/>
+                  </a:schemeClr>
+                </a:solidFill>
+                <a:latin typeface="Candara" pitchFamily="34" charset="0"/>
+              </a:rPr>
+              <a:t> * </a:t>
+            </a:r>
+            <a:r>
+              <a:rPr lang="en-US" altLang="zh-CN" sz="1400" b="1" dirty="0">
+                <a:solidFill>
+                  <a:schemeClr val="bg1">
+                    <a:lumMod val="50000"/>
+                  </a:schemeClr>
+                </a:solidFill>
+                <a:latin typeface="Candara" pitchFamily="34" charset="0"/>
+              </a:rPr>
+              <a:t>@</a:t>
+            </a:r>
+            <a:r>
+              <a:rPr lang="en-US" altLang="zh-CN" sz="1400" b="1" dirty="0" err="1">
+                <a:solidFill>
+                  <a:schemeClr val="bg1">
+                    <a:lumMod val="50000"/>
+                  </a:schemeClr>
+                </a:solidFill>
+                <a:latin typeface="Candara" pitchFamily="34" charset="0"/>
+              </a:rPr>
+              <a:t>param</a:t>
+            </a:r>
+            <a:r>
+              <a:rPr lang="en-US" altLang="zh-CN" sz="1400" b="1" dirty="0">
+                <a:solidFill>
+                  <a:schemeClr val="bg1">
+                    <a:lumMod val="50000"/>
+                  </a:schemeClr>
+                </a:solidFill>
+                <a:latin typeface="Candara" pitchFamily="34" charset="0"/>
+              </a:rPr>
+              <a:t>       </a:t>
+            </a:r>
+            <a:r>
+              <a:rPr lang="en-US" altLang="zh-CN" sz="1400" dirty="0">
+                <a:solidFill>
+                  <a:schemeClr val="bg1">
+                    <a:lumMod val="50000"/>
+                  </a:schemeClr>
+                </a:solidFill>
+                <a:latin typeface="Candara" pitchFamily="34" charset="0"/>
+              </a:rPr>
+              <a:t>--&gt; </a:t>
+            </a:r>
+            <a:r>
+              <a:rPr lang="en-US" altLang="zh-CN" sz="1400" b="1" dirty="0">
+                <a:solidFill>
+                  <a:schemeClr val="bg1">
+                    <a:lumMod val="50000"/>
+                  </a:schemeClr>
+                </a:solidFill>
+                <a:latin typeface="Candara" pitchFamily="34" charset="0"/>
+              </a:rPr>
+              <a:t>@</a:t>
+            </a:r>
+            <a:r>
+              <a:rPr lang="en-US" altLang="zh-CN" sz="1400" b="1" dirty="0" err="1">
+                <a:solidFill>
+                  <a:schemeClr val="bg1">
+                    <a:lumMod val="50000"/>
+                  </a:schemeClr>
+                </a:solidFill>
+                <a:latin typeface="Candara" pitchFamily="34" charset="0"/>
+              </a:rPr>
+              <a:t>arg</a:t>
+            </a:r>
+            <a:r>
+              <a:rPr lang="en-US" altLang="zh-CN" sz="1400" b="1" dirty="0">
+                <a:solidFill>
+                  <a:schemeClr val="bg1">
+                    <a:lumMod val="50000"/>
+                  </a:schemeClr>
+                </a:solidFill>
+                <a:latin typeface="Candara" pitchFamily="34" charset="0"/>
+              </a:rPr>
+              <a:t>               		</a:t>
+            </a:r>
+            <a:r>
+              <a:rPr lang="en-US" altLang="zh-CN" sz="1400" dirty="0">
+                <a:solidFill>
+                  <a:schemeClr val="bg1">
+                    <a:lumMod val="50000"/>
+                  </a:schemeClr>
+                </a:solidFill>
+                <a:latin typeface="Candara" pitchFamily="34" charset="0"/>
+              </a:rPr>
+              <a:t>parameter</a:t>
+            </a:r>
+            <a:br>
+              <a:rPr lang="en-US" altLang="zh-CN" sz="1400" dirty="0">
+                <a:solidFill>
+                  <a:schemeClr val="bg1">
+                    <a:lumMod val="50000"/>
+                  </a:schemeClr>
+                </a:solidFill>
+                <a:latin typeface="Candara" pitchFamily="34" charset="0"/>
+              </a:rPr>
+            </a:br>
+            <a:r>
+              <a:rPr lang="en-US" altLang="zh-CN" sz="1400" dirty="0">
+                <a:solidFill>
+                  <a:schemeClr val="bg1">
+                    <a:lumMod val="50000"/>
+                  </a:schemeClr>
+                </a:solidFill>
+                <a:latin typeface="Candara" pitchFamily="34" charset="0"/>
+              </a:rPr>
+              <a:t> * </a:t>
+            </a:r>
+            <a:r>
+              <a:rPr lang="en-US" altLang="zh-CN" sz="1400" b="1" dirty="0">
+                <a:solidFill>
+                  <a:schemeClr val="bg1">
+                    <a:lumMod val="50000"/>
+                  </a:schemeClr>
+                </a:solidFill>
+                <a:latin typeface="Candara" pitchFamily="34" charset="0"/>
+              </a:rPr>
+              <a:t>@</a:t>
+            </a:r>
+            <a:r>
+              <a:rPr lang="en-US" altLang="zh-CN" sz="1400" b="1" dirty="0" err="1">
+                <a:solidFill>
+                  <a:schemeClr val="bg1">
+                    <a:lumMod val="50000"/>
+                  </a:schemeClr>
+                </a:solidFill>
+                <a:latin typeface="Candara" pitchFamily="34" charset="0"/>
+              </a:rPr>
+              <a:t>param</a:t>
+            </a:r>
+            <a:r>
+              <a:rPr lang="en-US" altLang="zh-CN" sz="1400" b="1" dirty="0">
+                <a:solidFill>
+                  <a:schemeClr val="bg1">
+                    <a:lumMod val="50000"/>
+                  </a:schemeClr>
+                </a:solidFill>
+                <a:latin typeface="Candara" pitchFamily="34" charset="0"/>
+              </a:rPr>
+              <a:t>  </a:t>
+            </a:r>
+            <a:r>
+              <a:rPr lang="en-US" altLang="zh-CN" sz="1400" dirty="0">
+                <a:solidFill>
+                  <a:schemeClr val="bg1">
+                    <a:lumMod val="50000"/>
+                  </a:schemeClr>
+                </a:solidFill>
+                <a:latin typeface="Candara" pitchFamily="34" charset="0"/>
+              </a:rPr>
+              <a:t>--&gt; value-result</a:t>
+            </a:r>
+            <a:br>
+              <a:rPr lang="en-US" altLang="zh-CN" sz="1400" dirty="0">
+                <a:solidFill>
+                  <a:schemeClr val="bg1">
+                    <a:lumMod val="50000"/>
+                  </a:schemeClr>
+                </a:solidFill>
+                <a:latin typeface="Candara" pitchFamily="34" charset="0"/>
+              </a:rPr>
+            </a:br>
+            <a:r>
+              <a:rPr lang="en-US" altLang="zh-CN" sz="1400" dirty="0">
+                <a:solidFill>
+                  <a:schemeClr val="bg1">
+                    <a:lumMod val="50000"/>
+                  </a:schemeClr>
+                </a:solidFill>
+                <a:latin typeface="Candara" pitchFamily="34" charset="0"/>
+              </a:rPr>
+              <a:t> * </a:t>
+            </a:r>
+            <a:r>
+              <a:rPr lang="en-US" altLang="zh-CN" sz="1400" b="1" dirty="0">
+                <a:solidFill>
+                  <a:schemeClr val="bg1">
+                    <a:lumMod val="50000"/>
+                  </a:schemeClr>
+                </a:solidFill>
+                <a:latin typeface="Candara" pitchFamily="34" charset="0"/>
+              </a:rPr>
+              <a:t>@return  </a:t>
+            </a:r>
+            <a:r>
+              <a:rPr lang="en-US" altLang="zh-CN" sz="1400" dirty="0">
+                <a:solidFill>
+                  <a:schemeClr val="bg1">
+                    <a:lumMod val="50000"/>
+                  </a:schemeClr>
+                </a:solidFill>
+                <a:latin typeface="Candara" pitchFamily="34" charset="0"/>
+              </a:rPr>
+              <a:t>--&gt; </a:t>
+            </a:r>
+            <a:r>
+              <a:rPr lang="en-US" altLang="zh-CN" sz="1400" b="1" dirty="0">
+                <a:solidFill>
+                  <a:schemeClr val="bg1">
+                    <a:lumMod val="50000"/>
+                  </a:schemeClr>
+                </a:solidFill>
+                <a:latin typeface="Candara" pitchFamily="34" charset="0"/>
+              </a:rPr>
+              <a:t>@returns               		</a:t>
+            </a:r>
+            <a:r>
+              <a:rPr lang="en-US" altLang="zh-CN" sz="1400" dirty="0">
+                <a:solidFill>
+                  <a:schemeClr val="bg1">
+                    <a:lumMod val="50000"/>
+                  </a:schemeClr>
+                </a:solidFill>
+                <a:latin typeface="Candara" pitchFamily="34" charset="0"/>
+              </a:rPr>
+              <a:t>return of function</a:t>
+            </a:r>
+            <a:br>
+              <a:rPr lang="en-US" altLang="zh-CN" sz="1400" dirty="0">
+                <a:solidFill>
+                  <a:schemeClr val="bg1">
+                    <a:lumMod val="50000"/>
+                  </a:schemeClr>
+                </a:solidFill>
+                <a:latin typeface="Candara" pitchFamily="34" charset="0"/>
+              </a:rPr>
+            </a:br>
+            <a:r>
+              <a:rPr lang="en-US" altLang="zh-CN" sz="1400" dirty="0">
+                <a:solidFill>
+                  <a:schemeClr val="bg1">
+                    <a:lumMod val="50000"/>
+                  </a:schemeClr>
+                </a:solidFill>
+                <a:latin typeface="Candara" pitchFamily="34" charset="0"/>
+              </a:rPr>
+              <a:t> * </a:t>
+            </a:r>
+            <a:r>
+              <a:rPr lang="en-US" altLang="zh-CN" sz="1400" b="1" dirty="0">
+                <a:solidFill>
+                  <a:schemeClr val="bg1">
+                    <a:lumMod val="50000"/>
+                  </a:schemeClr>
+                </a:solidFill>
+                <a:latin typeface="Candara" pitchFamily="34" charset="0"/>
+              </a:rPr>
+              <a:t>@throw                          			</a:t>
+            </a:r>
+            <a:r>
+              <a:rPr lang="en-US" altLang="zh-CN" sz="1400" dirty="0">
+                <a:solidFill>
+                  <a:schemeClr val="bg1">
+                    <a:lumMod val="50000"/>
+                  </a:schemeClr>
+                </a:solidFill>
+                <a:latin typeface="Candara" pitchFamily="34" charset="0"/>
+              </a:rPr>
+              <a:t>throw exception</a:t>
+            </a:r>
+            <a:br>
+              <a:rPr lang="en-US" altLang="zh-CN" sz="1400" dirty="0">
+                <a:solidFill>
+                  <a:schemeClr val="bg1">
+                    <a:lumMod val="50000"/>
+                  </a:schemeClr>
+                </a:solidFill>
+                <a:latin typeface="Candara" pitchFamily="34" charset="0"/>
+              </a:rPr>
+            </a:br>
+            <a:r>
+              <a:rPr lang="en-US" altLang="zh-CN" sz="1400" dirty="0">
+                <a:solidFill>
+                  <a:schemeClr val="bg1">
+                    <a:lumMod val="50000"/>
+                  </a:schemeClr>
+                </a:solidFill>
+                <a:latin typeface="Candara" pitchFamily="34" charset="0"/>
+              </a:rPr>
+              <a:t> * </a:t>
+            </a:r>
+            <a:r>
+              <a:rPr lang="en-US" altLang="zh-CN" sz="1400" b="1" dirty="0">
+                <a:solidFill>
+                  <a:schemeClr val="bg1">
+                    <a:lumMod val="50000"/>
+                  </a:schemeClr>
+                </a:solidFill>
+                <a:latin typeface="Candara" pitchFamily="34" charset="0"/>
+              </a:rPr>
+              <a:t>@</a:t>
+            </a:r>
+            <a:r>
+              <a:rPr lang="en-US" altLang="zh-CN" sz="1400" b="1" dirty="0" err="1">
+                <a:solidFill>
+                  <a:schemeClr val="bg1">
+                    <a:lumMod val="50000"/>
+                  </a:schemeClr>
+                </a:solidFill>
+                <a:latin typeface="Candara" pitchFamily="34" charset="0"/>
+              </a:rPr>
+              <a:t>todo</a:t>
+            </a:r>
+            <a:br>
+              <a:rPr lang="en-US" altLang="zh-CN" sz="1400" b="1" dirty="0">
+                <a:solidFill>
+                  <a:schemeClr val="bg1">
+                    <a:lumMod val="50000"/>
+                  </a:schemeClr>
+                </a:solidFill>
+                <a:latin typeface="Candara" pitchFamily="34" charset="0"/>
+              </a:rPr>
+            </a:br>
+            <a:r>
+              <a:rPr lang="en-US" altLang="zh-CN" sz="1400" b="1" dirty="0">
+                <a:solidFill>
+                  <a:schemeClr val="bg1">
+                    <a:lumMod val="50000"/>
+                  </a:schemeClr>
+                </a:solidFill>
+                <a:latin typeface="Candara" pitchFamily="34" charset="0"/>
+              </a:rPr>
+              <a:t> </a:t>
+            </a:r>
+            <a:r>
+              <a:rPr lang="en-US" altLang="zh-CN" sz="1400" dirty="0">
+                <a:solidFill>
+                  <a:schemeClr val="bg1">
+                    <a:lumMod val="50000"/>
+                  </a:schemeClr>
+                </a:solidFill>
+                <a:latin typeface="Candara" pitchFamily="34" charset="0"/>
+              </a:rPr>
+              <a:t>* </a:t>
+            </a:r>
+            <a:r>
+              <a:rPr lang="en-US" altLang="zh-CN" sz="1400" b="1" dirty="0">
+                <a:solidFill>
+                  <a:schemeClr val="bg1">
+                    <a:lumMod val="50000"/>
+                  </a:schemeClr>
+                </a:solidFill>
+                <a:latin typeface="Candara" pitchFamily="34" charset="0"/>
+              </a:rPr>
+              <a:t>@see   </a:t>
+            </a:r>
+            <a:r>
+              <a:rPr lang="en-US" altLang="zh-CN" sz="1400" dirty="0">
+                <a:solidFill>
+                  <a:schemeClr val="bg1">
+                    <a:lumMod val="50000"/>
+                  </a:schemeClr>
+                </a:solidFill>
+                <a:latin typeface="Candara" pitchFamily="34" charset="0"/>
+              </a:rPr>
+              <a:t>--&gt; </a:t>
+            </a:r>
+            <a:r>
+              <a:rPr lang="en-US" altLang="zh-CN" sz="1400" b="1" dirty="0">
+                <a:solidFill>
+                  <a:schemeClr val="bg1">
+                    <a:lumMod val="50000"/>
+                  </a:schemeClr>
+                </a:solidFill>
+                <a:latin typeface="Candara" pitchFamily="34" charset="0"/>
+              </a:rPr>
+              <a:t>@link @tutorial           		</a:t>
+            </a:r>
+            <a:r>
+              <a:rPr lang="en-US" altLang="zh-CN" sz="1400" dirty="0">
+                <a:solidFill>
+                  <a:schemeClr val="bg1">
+                    <a:lumMod val="50000"/>
+                  </a:schemeClr>
+                </a:solidFill>
+                <a:latin typeface="Candara" pitchFamily="34" charset="0"/>
+              </a:rPr>
+              <a:t>see the link</a:t>
+            </a:r>
+            <a:br>
+              <a:rPr lang="en-US" altLang="zh-CN" sz="1400" dirty="0">
+                <a:solidFill>
+                  <a:schemeClr val="bg1">
+                    <a:lumMod val="50000"/>
+                  </a:schemeClr>
+                </a:solidFill>
+                <a:latin typeface="Candara" pitchFamily="34" charset="0"/>
+              </a:rPr>
+            </a:br>
+            <a:r>
+              <a:rPr lang="en-US" altLang="zh-CN" sz="1400" dirty="0">
+                <a:solidFill>
+                  <a:schemeClr val="bg1">
+                    <a:lumMod val="50000"/>
+                  </a:schemeClr>
+                </a:solidFill>
+                <a:latin typeface="Candara" pitchFamily="34" charset="0"/>
+              </a:rPr>
+              <a:t> * </a:t>
+            </a:r>
+            <a:r>
+              <a:rPr lang="en-US" altLang="zh-CN" sz="1400" b="1" dirty="0">
+                <a:solidFill>
+                  <a:schemeClr val="bg1">
+                    <a:lumMod val="50000"/>
+                  </a:schemeClr>
+                </a:solidFill>
+                <a:latin typeface="Candara" pitchFamily="34" charset="0"/>
+              </a:rPr>
+              <a:t>@author</a:t>
+            </a:r>
+            <a:br>
+              <a:rPr lang="en-US" altLang="zh-CN" sz="1400" b="1" dirty="0">
+                <a:solidFill>
+                  <a:schemeClr val="bg1">
+                    <a:lumMod val="50000"/>
+                  </a:schemeClr>
+                </a:solidFill>
+                <a:latin typeface="Candara" pitchFamily="34" charset="0"/>
+              </a:rPr>
+            </a:br>
+            <a:r>
+              <a:rPr lang="en-US" altLang="zh-CN" sz="1400" b="1" dirty="0">
+                <a:solidFill>
+                  <a:schemeClr val="bg1">
+                    <a:lumMod val="50000"/>
+                  </a:schemeClr>
+                </a:solidFill>
+                <a:latin typeface="Candara" pitchFamily="34" charset="0"/>
+              </a:rPr>
+              <a:t> </a:t>
+            </a:r>
+            <a:r>
+              <a:rPr lang="en-US" altLang="zh-CN" sz="1400" dirty="0">
+                <a:solidFill>
+                  <a:schemeClr val="bg1">
+                    <a:lumMod val="50000"/>
+                  </a:schemeClr>
+                </a:solidFill>
+                <a:latin typeface="Candara" pitchFamily="34" charset="0"/>
+              </a:rPr>
+              <a:t>* </a:t>
+            </a:r>
+            <a:r>
+              <a:rPr lang="en-US" altLang="zh-CN" sz="1400" b="1" dirty="0">
+                <a:solidFill>
+                  <a:schemeClr val="bg1">
+                    <a:lumMod val="50000"/>
+                  </a:schemeClr>
+                </a:solidFill>
+                <a:latin typeface="Candara" pitchFamily="34" charset="0"/>
+              </a:rPr>
+              <a:t>@version</a:t>
+            </a:r>
+            <a:br>
+              <a:rPr lang="en-US" altLang="zh-CN" sz="1400" b="1" dirty="0">
+                <a:solidFill>
+                  <a:schemeClr val="bg1">
+                    <a:lumMod val="50000"/>
+                  </a:schemeClr>
+                </a:solidFill>
+                <a:latin typeface="Candara" pitchFamily="34" charset="0"/>
+              </a:rPr>
+            </a:br>
+            <a:r>
+              <a:rPr lang="en-US" altLang="zh-CN" sz="1400" b="1" dirty="0">
+                <a:solidFill>
+                  <a:schemeClr val="bg1">
+                    <a:lumMod val="50000"/>
+                  </a:schemeClr>
+                </a:solidFill>
+                <a:latin typeface="Candara" pitchFamily="34" charset="0"/>
+              </a:rPr>
+              <a:t> </a:t>
+            </a:r>
+            <a:r>
+              <a:rPr lang="en-US" altLang="zh-CN" sz="1400" dirty="0">
+                <a:solidFill>
+                  <a:schemeClr val="bg1">
+                    <a:lumMod val="50000"/>
+                  </a:schemeClr>
+                </a:solidFill>
+                <a:latin typeface="Candara" pitchFamily="34" charset="0"/>
+              </a:rPr>
+              <a:t>* </a:t>
+            </a:r>
+            <a:r>
+              <a:rPr lang="en-US" altLang="zh-CN" sz="1400" b="1" dirty="0">
+                <a:solidFill>
+                  <a:schemeClr val="bg1">
+                    <a:lumMod val="50000"/>
+                  </a:schemeClr>
+                </a:solidFill>
+                <a:latin typeface="Candara" pitchFamily="34" charset="0"/>
+              </a:rPr>
+              <a:t>@example</a:t>
+            </a:r>
+            <a:br>
+              <a:rPr lang="en-US" altLang="zh-CN" sz="1400" b="1" dirty="0">
+                <a:solidFill>
+                  <a:schemeClr val="bg1">
+                    <a:lumMod val="50000"/>
+                  </a:schemeClr>
+                </a:solidFill>
+                <a:latin typeface="Candara" pitchFamily="34" charset="0"/>
+              </a:rPr>
+            </a:br>
+            <a:r>
+              <a:rPr lang="en-US" altLang="zh-CN" sz="1400" b="1" dirty="0">
+                <a:solidFill>
+                  <a:schemeClr val="bg1">
+                    <a:lumMod val="50000"/>
+                  </a:schemeClr>
+                </a:solidFill>
+                <a:latin typeface="Candara" pitchFamily="34" charset="0"/>
+              </a:rPr>
+              <a:t> </a:t>
+            </a:r>
+            <a:r>
+              <a:rPr lang="en-US" altLang="zh-CN" sz="1400" dirty="0">
+                <a:solidFill>
+                  <a:schemeClr val="bg1">
+                    <a:lumMod val="50000"/>
+                  </a:schemeClr>
+                </a:solidFill>
+                <a:latin typeface="Candara" pitchFamily="34" charset="0"/>
+              </a:rPr>
+              <a:t>* </a:t>
+            </a:r>
+            <a:r>
+              <a:rPr lang="en-US" altLang="zh-CN" sz="1400" b="1" dirty="0">
+                <a:solidFill>
+                  <a:schemeClr val="bg1">
+                    <a:lumMod val="50000"/>
+                  </a:schemeClr>
+                </a:solidFill>
+                <a:latin typeface="Candara" pitchFamily="34" charset="0"/>
+              </a:rPr>
+              <a:t>@extends </a:t>
+            </a:r>
+            <a:r>
+              <a:rPr lang="en-US" altLang="zh-CN" sz="1400" dirty="0">
+                <a:solidFill>
+                  <a:schemeClr val="bg1">
+                    <a:lumMod val="50000"/>
+                  </a:schemeClr>
+                </a:solidFill>
+                <a:latin typeface="Candara" pitchFamily="34" charset="0"/>
+              </a:rPr>
+              <a:t>--&gt; </a:t>
+            </a:r>
+            <a:r>
+              <a:rPr lang="en-US" altLang="zh-CN" sz="1400" b="1" dirty="0">
+                <a:solidFill>
+                  <a:schemeClr val="bg1">
+                    <a:lumMod val="50000"/>
+                  </a:schemeClr>
+                </a:solidFill>
+                <a:latin typeface="Candara" pitchFamily="34" charset="0"/>
+              </a:rPr>
+              <a:t>@derive</a:t>
+            </a:r>
+            <a:br>
+              <a:rPr lang="en-US" altLang="zh-CN" sz="1400" b="1" dirty="0">
+                <a:solidFill>
+                  <a:schemeClr val="bg1">
+                    <a:lumMod val="50000"/>
+                  </a:schemeClr>
+                </a:solidFill>
+                <a:latin typeface="Candara" pitchFamily="34" charset="0"/>
+              </a:rPr>
+            </a:br>
+            <a:r>
+              <a:rPr lang="en-US" altLang="zh-CN" sz="1400" b="1" dirty="0">
+                <a:solidFill>
+                  <a:schemeClr val="bg1">
+                    <a:lumMod val="50000"/>
+                  </a:schemeClr>
+                </a:solidFill>
+                <a:latin typeface="Candara" pitchFamily="34" charset="0"/>
+              </a:rPr>
+              <a:t> </a:t>
+            </a:r>
+            <a:r>
+              <a:rPr lang="en-US" altLang="zh-CN" sz="1400" dirty="0">
+                <a:solidFill>
+                  <a:schemeClr val="bg1">
+                    <a:lumMod val="50000"/>
+                  </a:schemeClr>
+                </a:solidFill>
+                <a:latin typeface="Candara" pitchFamily="34" charset="0"/>
+              </a:rPr>
+              <a:t>* </a:t>
+            </a:r>
+            <a:r>
+              <a:rPr lang="en-US" altLang="zh-CN" sz="1400" b="1" dirty="0">
+                <a:solidFill>
+                  <a:schemeClr val="bg1">
+                    <a:lumMod val="50000"/>
+                  </a:schemeClr>
+                </a:solidFill>
+                <a:latin typeface="Candara" pitchFamily="34" charset="0"/>
+              </a:rPr>
+              <a:t>@note  </a:t>
+            </a:r>
+            <a:r>
+              <a:rPr lang="en-US" altLang="zh-CN" sz="1400" dirty="0">
+                <a:solidFill>
+                  <a:schemeClr val="bg1">
+                    <a:lumMod val="50000"/>
+                  </a:schemeClr>
+                </a:solidFill>
+                <a:latin typeface="Candara" pitchFamily="34" charset="0"/>
+              </a:rPr>
+              <a:t>--&gt;   </a:t>
+            </a:r>
+            <a:r>
+              <a:rPr lang="en-US" altLang="zh-CN" sz="1400" b="1" dirty="0">
+                <a:solidFill>
+                  <a:schemeClr val="bg1">
+                    <a:lumMod val="50000"/>
+                  </a:schemeClr>
+                </a:solidFill>
+                <a:latin typeface="Candara" pitchFamily="34" charset="0"/>
+              </a:rPr>
+              <a:t>@remind                   		</a:t>
+            </a:r>
+            <a:r>
+              <a:rPr lang="en-US" altLang="zh-CN" sz="1400" dirty="0">
+                <a:solidFill>
+                  <a:schemeClr val="bg1">
+                    <a:lumMod val="50000"/>
+                  </a:schemeClr>
+                </a:solidFill>
+                <a:latin typeface="Candara" pitchFamily="34" charset="0"/>
+              </a:rPr>
+              <a:t>note</a:t>
+            </a:r>
+            <a:br>
+              <a:rPr lang="en-US" altLang="zh-CN" sz="1400" dirty="0">
+                <a:solidFill>
+                  <a:schemeClr val="bg1">
+                    <a:lumMod val="50000"/>
+                  </a:schemeClr>
+                </a:solidFill>
+                <a:latin typeface="Candara" pitchFamily="34" charset="0"/>
+              </a:rPr>
+            </a:br>
+            <a:r>
+              <a:rPr lang="en-US" altLang="zh-CN" sz="1400" dirty="0">
+                <a:solidFill>
+                  <a:schemeClr val="bg1">
+                    <a:lumMod val="50000"/>
+                  </a:schemeClr>
+                </a:solidFill>
+                <a:latin typeface="Candara" pitchFamily="34" charset="0"/>
+              </a:rPr>
+              <a:t> */</a:t>
+            </a:r>
+          </a:p>
+          <a:p>
+            <a:r>
+              <a:rPr lang="en-US" altLang="zh-CN" sz="1400" dirty="0">
+                <a:solidFill>
+                  <a:schemeClr val="bg1">
+                    <a:lumMod val="50000"/>
+                  </a:schemeClr>
+                </a:solidFill>
+                <a:latin typeface="Candara" pitchFamily="34" charset="0"/>
+              </a:rPr>
+              <a:t>class </a:t>
+            </a:r>
+            <a:r>
+              <a:rPr lang="en-US" altLang="zh-CN" sz="1400" dirty="0" err="1">
+                <a:solidFill>
+                  <a:schemeClr val="bg1">
+                    <a:lumMod val="50000"/>
+                  </a:schemeClr>
+                </a:solidFill>
+                <a:latin typeface="Candara" pitchFamily="34" charset="0"/>
+              </a:rPr>
+              <a:t>HelloAario</a:t>
+            </a:r>
+            <a:r>
+              <a:rPr lang="en-US" altLang="zh-CN" sz="1400" dirty="0">
+                <a:solidFill>
+                  <a:schemeClr val="bg1">
+                    <a:lumMod val="50000"/>
+                  </a:schemeClr>
+                </a:solidFill>
+                <a:latin typeface="Candara" pitchFamily="34" charset="0"/>
+              </a:rPr>
+              <a:t> extends </a:t>
+            </a:r>
+            <a:r>
+              <a:rPr lang="en-US" altLang="zh-CN" sz="1400" dirty="0" err="1">
+                <a:solidFill>
+                  <a:schemeClr val="bg1">
+                    <a:lumMod val="50000"/>
+                  </a:schemeClr>
+                </a:solidFill>
+                <a:latin typeface="Candara" pitchFamily="34" charset="0"/>
+              </a:rPr>
+              <a:t>Aario</a:t>
+            </a:r>
+            <a:r>
+              <a:rPr lang="en-US" altLang="zh-CN" sz="1400" dirty="0">
+                <a:solidFill>
+                  <a:schemeClr val="bg1">
+                    <a:lumMod val="50000"/>
+                  </a:schemeClr>
+                </a:solidFill>
+                <a:latin typeface="Candara" pitchFamily="34" charset="0"/>
+              </a:rPr>
+              <a:t> {</a:t>
+            </a:r>
+          </a:p>
+          <a:p>
+            <a:endParaRPr lang="en-US" altLang="zh-CN" sz="1400" dirty="0">
+              <a:solidFill>
+                <a:schemeClr val="bg1">
+                  <a:lumMod val="50000"/>
+                </a:schemeClr>
+              </a:solidFill>
+              <a:latin typeface="Candara" pitchFamily="34" charset="0"/>
+            </a:endParaRPr>
+          </a:p>
+          <a:p>
+            <a:endParaRPr lang="en-US" altLang="zh-CN" sz="1400" dirty="0">
+              <a:solidFill>
+                <a:schemeClr val="bg1">
+                  <a:lumMod val="50000"/>
+                </a:schemeClr>
+              </a:solidFill>
+              <a:latin typeface="Candara" pitchFamily="34" charset="0"/>
+            </a:endParaRPr>
+          </a:p>
+          <a:p>
+            <a:endParaRPr lang="en-US" altLang="zh-CN" sz="1400" dirty="0">
+              <a:solidFill>
+                <a:schemeClr val="bg1">
+                  <a:lumMod val="50000"/>
+                </a:schemeClr>
+              </a:solidFill>
+              <a:latin typeface="Candara" pitchFamily="34" charset="0"/>
+            </a:endParaRPr>
+          </a:p>
+          <a:p>
+            <a:endParaRPr lang="en-US" altLang="zh-CN" sz="1400" dirty="0">
+              <a:solidFill>
+                <a:schemeClr val="bg1">
+                  <a:lumMod val="50000"/>
+                </a:schemeClr>
+              </a:solidFill>
+              <a:latin typeface="Candara" pitchFamily="34" charset="0"/>
+            </a:endParaRPr>
+          </a:p>
+          <a:p>
+            <a:endParaRPr lang="en-US" altLang="zh-CN" sz="1400" dirty="0">
+              <a:solidFill>
+                <a:schemeClr val="bg1">
+                  <a:lumMod val="50000"/>
+                </a:schemeClr>
+              </a:solidFill>
+              <a:latin typeface="Candara" pitchFamily="34" charset="0"/>
+            </a:endParaRPr>
+          </a:p>
+          <a:p>
+            <a:r>
+              <a:rPr lang="en-US" altLang="zh-CN" sz="1400" dirty="0">
+                <a:solidFill>
+                  <a:schemeClr val="bg1">
+                    <a:lumMod val="50000"/>
+                  </a:schemeClr>
+                </a:solidFill>
+                <a:latin typeface="Candara" pitchFamily="34" charset="0"/>
+              </a:rPr>
+              <a:t>    </a:t>
+            </a:r>
+          </a:p>
+          <a:p>
+            <a:r>
+              <a:rPr lang="en-US" altLang="zh-CN" sz="1400" dirty="0">
+                <a:solidFill>
+                  <a:schemeClr val="bg1">
+                    <a:lumMod val="50000"/>
+                  </a:schemeClr>
+                </a:solidFill>
+                <a:latin typeface="Candara" pitchFamily="34" charset="0"/>
+              </a:rPr>
+              <a:t>}</a:t>
+            </a:r>
+            <a:endParaRPr lang="zh-CN" altLang="en-US" sz="1400" dirty="0">
+              <a:solidFill>
+                <a:schemeClr val="bg1">
+                  <a:lumMod val="50000"/>
+                </a:schemeClr>
+              </a:solidFill>
+              <a:latin typeface="Candara" pitchFamily="34" charset="0"/>
+            </a:endParaRPr>
+          </a:p>
+        </p:txBody>
+      </p:sp>
+      <p:sp>
+        <p:nvSpPr>
+          <p:cNvPr id="9" name="矩形 8"/>
+          <p:cNvSpPr/>
+          <p:nvPr/>
+        </p:nvSpPr>
+        <p:spPr>
+          <a:xfrm>
+            <a:off x="2760832" y="4812159"/>
+            <a:ext cx="3002745" cy="923330"/>
+          </a:xfrm>
+          <a:prstGeom prst="rect">
+            <a:avLst/>
+          </a:prstGeom>
+          <a:noFill/>
+        </p:spPr>
+        <p:txBody>
+          <a:bodyPr wrap="none" lIns="91440" tIns="45720" rIns="91440" bIns="45720">
+            <a:spAutoFit/>
+            <a:scene3d>
+              <a:camera prst="orthographicFront"/>
+              <a:lightRig rig="balanced" dir="t">
+                <a:rot lat="0" lon="0" rev="2100000"/>
+              </a:lightRig>
+            </a:scene3d>
+            <a:sp3d extrusionH="57150" prstMaterial="metal">
+              <a:bevelT w="38100" h="25400"/>
+              <a:contourClr>
+                <a:schemeClr val="bg2"/>
+              </a:contourClr>
+            </a:sp3d>
+          </a:bodyPr>
+          <a:lstStyle/>
+          <a:p>
+            <a:pPr algn="ctr"/>
+            <a:r>
+              <a:rPr lang="en-US" altLang="zh-CN" sz="5400" b="1" cap="none" spc="0" dirty="0">
+                <a:ln w="50800"/>
+                <a:solidFill>
+                  <a:schemeClr val="bg1">
+                    <a:shade val="50000"/>
+                  </a:schemeClr>
+                </a:solidFill>
+                <a:effectLst/>
+              </a:rPr>
+              <a:t>Comment</a:t>
+            </a:r>
+            <a:endParaRPr lang="zh-CN" altLang="en-US" sz="5400" b="1" cap="none" spc="0" dirty="0">
+              <a:ln w="50800"/>
+              <a:solidFill>
+                <a:schemeClr val="bg1">
+                  <a:shade val="50000"/>
+                </a:schemeClr>
+              </a:solidFill>
+              <a:effectLst/>
+            </a:endParaRPr>
+          </a:p>
+        </p:txBody>
+      </p:sp>
+    </p:spTree>
+    <p:extLst>
+      <p:ext uri="{BB962C8B-B14F-4D97-AF65-F5344CB8AC3E}">
+        <p14:creationId xmlns:p14="http://schemas.microsoft.com/office/powerpoint/2010/main" val="833904844"/>
+      </p:ext>
+    </p:extLst>
+  </p:cSld>
+  <p:clrMapOvr>
+    <a:masterClrMapping/>
+  </p:clrMapOvr>
+</p:sld>
+</file>
+
+<file path=ppt/slides/slide8.xml><?xml version="1.0" encoding="utf-8"?>
+<p:sld xmlns:a="http://schemas.openxmlformats.org/drawingml/2006/main" xmlns:r="http://schemas.openxmlformats.org/officeDocument/2006/relationships" xmlns:p="http://schemas.openxmlformats.org/presentationml/2006/main">
+  <p:cSld>
+    <p:spTree>
+      <p:nvGrpSpPr>
+        <p:cNvPr id="1" name=""/>
+        <p:cNvGrpSpPr/>
+        <p:nvPr/>
+      </p:nvGrpSpPr>
+      <p:grpSpPr>
+        <a:xfrm>
+          <a:off x="0" y="0"/>
+          <a:ext cx="0" cy="0"/>
+          <a:chOff x="0" y="0"/>
+          <a:chExt cx="0" cy="0"/>
+        </a:xfrm>
+      </p:grpSpPr>
+      <p:sp>
+        <p:nvSpPr>
           <p:cNvPr id="4" name="TextBox 3"/>
           <p:cNvSpPr txBox="1"/>
           <p:nvPr/>
@@ -5266,86 +5299,62 @@
           </a:bodyPr>
           <a:lstStyle/>
           <a:p>
-            <a:endParaRPr lang="en-US" altLang="zh-CN" sz="1200" dirty="0" smtClean="0"/>
-          </a:p>
-          <a:p>
-            <a:r>
-              <a:rPr lang="en-US" altLang="zh-CN" sz="1200" b="1" dirty="0" smtClean="0"/>
+            <a:endParaRPr lang="en-US" altLang="zh-CN" sz="1200" dirty="0"/>
+          </a:p>
+          <a:p>
+            <a:r>
+              <a:rPr lang="en-US" altLang="zh-CN" sz="1200" b="1" dirty="0"/>
               <a:t>PHP Operator Precedence:</a:t>
             </a:r>
           </a:p>
           <a:p>
             <a:r>
-              <a:rPr lang="en-US" altLang="zh-CN" sz="1200" dirty="0" smtClean="0"/>
+              <a:rPr lang="en-US" altLang="zh-CN" sz="1200" dirty="0"/>
               <a:t>     </a:t>
-            </a:r>
-            <a:r>
-              <a:rPr lang="en-US" altLang="zh-CN" sz="1200" dirty="0" smtClean="0">
-                <a:hlinkClick r:id="rId2"/>
-              </a:rPr>
-              <a:t>http</a:t>
             </a:r>
             <a:r>
               <a:rPr lang="en-US" altLang="zh-CN" sz="1200" dirty="0">
                 <a:hlinkClick r:id="rId2"/>
               </a:rPr>
-              <a:t>://php.net/manual/en/language.operators.precedence.php </a:t>
-            </a:r>
-            <a:endParaRPr lang="en-US" altLang="zh-CN" sz="1200" dirty="0" smtClean="0"/>
-          </a:p>
-          <a:p>
-            <a:r>
-              <a:rPr lang="en-US" altLang="zh-CN" sz="1200" b="1" dirty="0" smtClean="0"/>
+              <a:t>http://php.net/manual/en/language.operators.precedence.php </a:t>
+            </a:r>
+            <a:endParaRPr lang="en-US" altLang="zh-CN" sz="1200" dirty="0"/>
+          </a:p>
+          <a:p>
+            <a:r>
+              <a:rPr lang="en-US" altLang="zh-CN" sz="1200" b="1" dirty="0"/>
               <a:t>CPP Operator Precedence: </a:t>
             </a:r>
           </a:p>
           <a:p>
             <a:r>
-              <a:rPr lang="en-US" altLang="zh-CN" sz="1200" dirty="0" smtClean="0"/>
+              <a:rPr lang="en-US" altLang="zh-CN" sz="1200" dirty="0"/>
               <a:t>    </a:t>
-            </a:r>
-            <a:r>
-              <a:rPr lang="en-US" altLang="zh-CN" sz="1200" dirty="0" smtClean="0">
-                <a:hlinkClick r:id="rId3"/>
-              </a:rPr>
-              <a:t>http</a:t>
             </a:r>
             <a:r>
               <a:rPr lang="en-US" altLang="zh-CN" sz="1200" dirty="0">
                 <a:hlinkClick r:id="rId3"/>
               </a:rPr>
-              <a:t>://en.cppreference.com/w/cpp/language/operator_precedence </a:t>
-            </a:r>
-            <a:endParaRPr lang="en-US" altLang="zh-CN" sz="1200" dirty="0" smtClean="0"/>
-          </a:p>
-          <a:p>
-            <a:r>
-              <a:rPr lang="en-US" altLang="zh-CN" sz="1200" b="1" dirty="0" smtClean="0"/>
+              <a:t>http://en.cppreference.com/w/cpp/language/operator_precedence </a:t>
+            </a:r>
+            <a:endParaRPr lang="en-US" altLang="zh-CN" sz="1200" dirty="0"/>
+          </a:p>
+          <a:p>
+            <a:r>
+              <a:rPr lang="en-US" altLang="zh-CN" sz="1200" b="1" dirty="0"/>
               <a:t>C Operator Precedence: </a:t>
             </a:r>
           </a:p>
           <a:p>
             <a:r>
-              <a:rPr lang="en-US" altLang="zh-CN" sz="1200" dirty="0" smtClean="0"/>
+              <a:rPr lang="en-US" altLang="zh-CN" sz="1200" dirty="0"/>
               <a:t>    </a:t>
-            </a:r>
-            <a:r>
-              <a:rPr lang="en-US" altLang="zh-CN" sz="1200" dirty="0" smtClean="0">
-                <a:hlinkClick r:id="rId4"/>
-              </a:rPr>
-              <a:t>http</a:t>
             </a:r>
             <a:r>
               <a:rPr lang="en-US" altLang="zh-CN" sz="1200" dirty="0">
                 <a:hlinkClick r:id="rId4"/>
               </a:rPr>
-              <a:t>://</a:t>
-            </a:r>
-            <a:r>
-              <a:rPr lang="en-US" altLang="zh-CN" sz="1200" dirty="0" smtClean="0">
-                <a:hlinkClick r:id="rId4"/>
-              </a:rPr>
-              <a:t>en.cppreference.com/w/c/language/operator_precedence</a:t>
+              <a:t>http://en.cppreference.com/w/c/language/operator_precedence</a:t>
             </a:r>
             <a:endParaRPr lang="zh-CN" altLang="en-US" sz="1200" dirty="0"/>
           </a:p>
@@ -5456,7 +5465,7 @@
           <a:lstStyle/>
           <a:p>
             <a:r>
-              <a:rPr lang="en-US" altLang="zh-CN" sz="2800" dirty="0" smtClean="0">
+              <a:rPr lang="en-US" altLang="zh-CN" sz="2800" dirty="0">
                 <a:latin typeface="Sitka Text" pitchFamily="2" charset="0"/>
               </a:rPr>
               <a:t>Operator Precedence</a:t>
@@ -5471,239 +5480,6 @@
     <p:extLst>
       <p:ext uri="{BB962C8B-B14F-4D97-AF65-F5344CB8AC3E}">
         <p14:creationId xmlns:p14="http://schemas.microsoft.com/office/powerpoint/2010/main" val="587045371"/>
-      </p:ext>
-    </p:extLst>
-  </p:cSld>
-  <p:clrMapOvr>
-    <a:masterClrMapping/>
-  </p:clrMapOvr>
-</p:sld>
-</file>
-
-<file path=ppt/slides/slide8.xml><?xml version="1.0" encoding="utf-8"?>
-<p:sld xmlns:a="http://schemas.openxmlformats.org/drawingml/2006/main" xmlns:r="http://schemas.openxmlformats.org/officeDocument/2006/relationships" xmlns:p="http://schemas.openxmlformats.org/presentationml/2006/main">
-  <p:cSld>
-    <p:spTree>
-      <p:nvGrpSpPr>
-        <p:cNvPr id="1" name=""/>
-        <p:cNvGrpSpPr/>
-        <p:nvPr/>
-      </p:nvGrpSpPr>
-      <p:grpSpPr>
-        <a:xfrm>
-          <a:off x="0" y="0"/>
-          <a:ext cx="0" cy="0"/>
-          <a:chOff x="0" y="0"/>
-          <a:chExt cx="0" cy="0"/>
-        </a:xfrm>
-      </p:grpSpPr>
-      <p:sp>
-        <p:nvSpPr>
-          <p:cNvPr id="4" name="TextBox 3"/>
-          <p:cNvSpPr txBox="1"/>
-          <p:nvPr/>
-        </p:nvSpPr>
-        <p:spPr>
-          <a:xfrm>
-            <a:off x="611560" y="557972"/>
-            <a:ext cx="1944216" cy="707886"/>
-          </a:xfrm>
-          <a:prstGeom prst="rect">
-            <a:avLst/>
-          </a:prstGeom>
-          <a:noFill/>
-        </p:spPr>
-        <p:txBody>
-          <a:bodyPr wrap="square" rtlCol="0">
-            <a:spAutoFit/>
-          </a:bodyPr>
-          <a:lstStyle/>
-          <a:p>
-            <a:r>
-              <a:rPr lang="en-US" altLang="zh-CN" sz="4000" b="1" dirty="0" smtClean="0">
-                <a:solidFill>
-                  <a:schemeClr val="accent6"/>
-                </a:solidFill>
-                <a:latin typeface="Century Gothic" pitchFamily="34" charset="0"/>
-                <a:ea typeface="Malgun Gothic Semilight" pitchFamily="34" charset="-122"/>
-                <a:cs typeface="Malgun Gothic Semilight" pitchFamily="34" charset="-122"/>
-              </a:rPr>
-              <a:t>Q&amp;A</a:t>
-            </a:r>
-            <a:endParaRPr lang="zh-CN" altLang="en-US" sz="4000" b="1" dirty="0">
-              <a:solidFill>
-                <a:schemeClr val="accent6"/>
-              </a:solidFill>
-              <a:latin typeface="Century Gothic" pitchFamily="34" charset="0"/>
-              <a:ea typeface="Malgun Gothic Semilight" pitchFamily="34" charset="-122"/>
-              <a:cs typeface="Malgun Gothic Semilight" pitchFamily="34" charset="-122"/>
-            </a:endParaRPr>
-          </a:p>
-        </p:txBody>
-      </p:sp>
-      <p:sp>
-        <p:nvSpPr>
-          <p:cNvPr id="5" name="TextBox 4"/>
-          <p:cNvSpPr txBox="1"/>
-          <p:nvPr/>
-        </p:nvSpPr>
-        <p:spPr>
-          <a:xfrm>
-            <a:off x="653211" y="1408708"/>
-            <a:ext cx="6912768" cy="3139321"/>
-          </a:xfrm>
-          <a:prstGeom prst="rect">
-            <a:avLst/>
-          </a:prstGeom>
-          <a:noFill/>
-        </p:spPr>
-        <p:txBody>
-          <a:bodyPr wrap="square" rtlCol="0">
-            <a:spAutoFit/>
-          </a:bodyPr>
-          <a:lstStyle/>
-          <a:p>
-            <a:pPr marL="342900" indent="-342900">
-              <a:buFont typeface="+mj-lt"/>
-              <a:buAutoNum type="arabicPeriod"/>
-            </a:pPr>
-            <a:r>
-              <a:rPr lang="en-US" altLang="zh-CN" dirty="0" smtClean="0"/>
-              <a:t>There’s a function `</a:t>
-            </a:r>
-            <a:r>
-              <a:rPr lang="en-US" altLang="zh-CN" dirty="0" err="1" smtClean="0"/>
-              <a:t>getIP</a:t>
-            </a:r>
-            <a:r>
-              <a:rPr lang="en-US" altLang="zh-CN" dirty="0" smtClean="0"/>
-              <a:t>()` in file `</a:t>
-            </a:r>
-            <a:r>
-              <a:rPr lang="en-US" altLang="zh-CN" dirty="0" err="1" smtClean="0"/>
-              <a:t>aario.c</a:t>
-            </a:r>
-            <a:r>
-              <a:rPr lang="en-US" altLang="zh-CN" dirty="0" smtClean="0"/>
-              <a:t>` which is included in the file `</a:t>
-            </a:r>
-            <a:r>
-              <a:rPr lang="en-US" altLang="zh-CN" dirty="0" err="1" smtClean="0"/>
-              <a:t>jack.c</a:t>
-            </a:r>
-            <a:r>
-              <a:rPr lang="en-US" altLang="zh-CN" dirty="0" smtClean="0"/>
-              <a:t>` you are coding.   Can you use it?</a:t>
-            </a:r>
-          </a:p>
-          <a:p>
-            <a:pPr marL="342900" indent="-342900">
-              <a:buFont typeface="+mj-lt"/>
-              <a:buAutoNum type="arabicPeriod"/>
-            </a:pPr>
-            <a:r>
-              <a:rPr lang="en-US" altLang="zh-CN" dirty="0" smtClean="0"/>
-              <a:t>There’s a function `</a:t>
-            </a:r>
-            <a:r>
-              <a:rPr lang="en-US" altLang="zh-CN" dirty="0" err="1" smtClean="0"/>
-              <a:t>getIP</a:t>
-            </a:r>
-            <a:r>
-              <a:rPr lang="en-US" altLang="zh-CN" dirty="0" smtClean="0"/>
-              <a:t>()` in file `</a:t>
-            </a:r>
-            <a:r>
-              <a:rPr lang="en-US" altLang="zh-CN" dirty="0" err="1" smtClean="0"/>
-              <a:t>aario.c</a:t>
-            </a:r>
-            <a:r>
-              <a:rPr lang="en-US" altLang="zh-CN" dirty="0" smtClean="0"/>
-              <a:t>` which is written by </a:t>
-            </a:r>
-            <a:r>
-              <a:rPr lang="en-US" altLang="zh-CN" dirty="0" err="1" smtClean="0"/>
-              <a:t>Aario</a:t>
-            </a:r>
-            <a:r>
-              <a:rPr lang="en-US" altLang="zh-CN" dirty="0" smtClean="0"/>
-              <a:t>. And you are Jack.  Can you remove the function `</a:t>
-            </a:r>
-            <a:r>
-              <a:rPr lang="en-US" altLang="zh-CN" dirty="0" err="1" smtClean="0"/>
-              <a:t>getIP</a:t>
-            </a:r>
-            <a:r>
-              <a:rPr lang="en-US" altLang="zh-CN" dirty="0" smtClean="0"/>
-              <a:t>()` in that file?</a:t>
-            </a:r>
-          </a:p>
-          <a:p>
-            <a:pPr marL="342900" indent="-342900">
-              <a:buFont typeface="+mj-lt"/>
-              <a:buAutoNum type="arabicPeriod"/>
-            </a:pPr>
-            <a:r>
-              <a:rPr lang="en-US" altLang="zh-CN" dirty="0" smtClean="0"/>
-              <a:t>There’s a variable `</a:t>
-            </a:r>
-            <a:r>
-              <a:rPr lang="en-US" altLang="zh-CN" dirty="0" err="1" smtClean="0"/>
-              <a:t>int</a:t>
-            </a:r>
-            <a:r>
-              <a:rPr lang="en-US" altLang="zh-CN" dirty="0" smtClean="0"/>
-              <a:t> </a:t>
-            </a:r>
-            <a:r>
-              <a:rPr lang="en-US" altLang="zh-CN" dirty="0" err="1" smtClean="0"/>
-              <a:t>ServerID</a:t>
-            </a:r>
-            <a:r>
-              <a:rPr lang="en-US" altLang="zh-CN" dirty="0" smtClean="0"/>
-              <a:t> = 10000` you wrote several days ago in file `</a:t>
-            </a:r>
-            <a:r>
-              <a:rPr lang="en-US" altLang="zh-CN" dirty="0" err="1" smtClean="0"/>
-              <a:t>jack.c</a:t>
-            </a:r>
-            <a:r>
-              <a:rPr lang="en-US" altLang="zh-CN" dirty="0" smtClean="0"/>
-              <a:t>`.  Now you don’t need it. What should you do before removing it?</a:t>
-            </a:r>
-          </a:p>
-          <a:p>
-            <a:pPr marL="342900" indent="-342900">
-              <a:buFont typeface="+mj-lt"/>
-              <a:buAutoNum type="arabicPeriod"/>
-            </a:pPr>
-            <a:r>
-              <a:rPr lang="en-US" altLang="zh-CN" dirty="0" smtClean="0"/>
-              <a:t>You’re optimizing a file ‘</a:t>
-            </a:r>
-            <a:r>
-              <a:rPr lang="en-US" altLang="zh-CN" dirty="0" err="1" smtClean="0"/>
-              <a:t>Aario.php</a:t>
-            </a:r>
-            <a:r>
-              <a:rPr lang="en-US" altLang="zh-CN" dirty="0" smtClean="0"/>
-              <a:t>’ which belongs to your partner. He indents with 2 spaces and you always indent with 4. Can you re-format ‘</a:t>
-            </a:r>
-            <a:r>
-              <a:rPr lang="en-US" altLang="zh-CN" dirty="0" err="1" smtClean="0"/>
-              <a:t>Aario.php</a:t>
-            </a:r>
-            <a:r>
-              <a:rPr lang="en-US" altLang="zh-CN" dirty="0" smtClean="0"/>
-              <a:t>’? If you really want to reformat it, what should you do?</a:t>
-            </a:r>
-          </a:p>
-        </p:txBody>
-      </p:sp>
-    </p:spTree>
-    <p:extLst>
-      <p:ext uri="{BB962C8B-B14F-4D97-AF65-F5344CB8AC3E}">
-        <p14:creationId xmlns:p14="http://schemas.microsoft.com/office/powerpoint/2010/main" val="1782081883"/>
       </p:ext>
     </p:extLst>
   </p:cSld>
@@ -5732,40 +5508,211 @@
       </p:grpSpPr>
       <p:sp>
         <p:nvSpPr>
-          <p:cNvPr id="2" name="标题 1"/>
-          <p:cNvSpPr>
-            <a:spLocks noGrp="1"/>
-          </p:cNvSpPr>
-          <p:nvPr>
-            <p:ph type="title"/>
-          </p:nvPr>
+          <p:cNvPr id="4" name="TextBox 3"/>
+          <p:cNvSpPr txBox="1"/>
+          <p:nvPr/>
         </p:nvSpPr>
         <p:spPr>
           <a:xfrm>
-            <a:off x="611560" y="2276872"/>
-            <a:ext cx="8229600" cy="1143000"/>
+            <a:off x="611560" y="557972"/>
+            <a:ext cx="1944216" cy="707886"/>
           </a:xfrm>
+          <a:prstGeom prst="rect">
+            <a:avLst/>
+          </a:prstGeom>
+          <a:noFill/>
         </p:spPr>
         <p:txBody>
-          <a:bodyPr/>
+          <a:bodyPr wrap="square" rtlCol="0">
+            <a:spAutoFit/>
+          </a:bodyPr>
           <a:lstStyle/>
           <a:p>
             <a:r>
-              <a:rPr lang="en-US" altLang="zh-CN" dirty="0" smtClean="0"/>
-              <a:t>Thanks, by </a:t>
-            </a:r>
-            <a:r>
-              <a:rPr lang="en-US" altLang="zh-CN" dirty="0" err="1" smtClean="0"/>
+              <a:rPr lang="en-US" altLang="zh-CN" sz="4000" b="1" dirty="0">
+                <a:solidFill>
+                  <a:schemeClr val="accent6"/>
+                </a:solidFill>
+                <a:latin typeface="Century Gothic" pitchFamily="34" charset="0"/>
+                <a:ea typeface="Malgun Gothic Semilight" pitchFamily="34" charset="-122"/>
+                <a:cs typeface="Malgun Gothic Semilight" pitchFamily="34" charset="-122"/>
+              </a:rPr>
+              <a:t>Q&amp;A</a:t>
+            </a:r>
+            <a:endParaRPr lang="zh-CN" altLang="en-US" sz="4000" b="1" dirty="0">
+              <a:solidFill>
+                <a:schemeClr val="accent6"/>
+              </a:solidFill>
+              <a:latin typeface="Century Gothic" pitchFamily="34" charset="0"/>
+              <a:ea typeface="Malgun Gothic Semilight" pitchFamily="34" charset="-122"/>
+              <a:cs typeface="Malgun Gothic Semilight" pitchFamily="34" charset="-122"/>
+            </a:endParaRPr>
+          </a:p>
+        </p:txBody>
+      </p:sp>
+      <p:sp>
+        <p:nvSpPr>
+          <p:cNvPr id="5" name="TextBox 4"/>
+          <p:cNvSpPr txBox="1"/>
+          <p:nvPr/>
+        </p:nvSpPr>
+        <p:spPr>
+          <a:xfrm>
+            <a:off x="653211" y="1408708"/>
+            <a:ext cx="6912768" cy="3139321"/>
+          </a:xfrm>
+          <a:prstGeom prst="rect">
+            <a:avLst/>
+          </a:prstGeom>
+          <a:noFill/>
+        </p:spPr>
+        <p:txBody>
+          <a:bodyPr wrap="square" rtlCol="0">
+            <a:spAutoFit/>
+          </a:bodyPr>
+          <a:lstStyle/>
+          <a:p>
+            <a:pPr marL="342900" indent="-342900">
+              <a:buFont typeface="+mj-lt"/>
+              <a:buAutoNum type="arabicPeriod"/>
+            </a:pPr>
+            <a:r>
+              <a:rPr lang="en-US" altLang="zh-CN" dirty="0"/>
+              <a:t>There’s a function `</a:t>
+            </a:r>
+            <a:r>
+              <a:rPr lang="en-US" altLang="zh-CN" dirty="0" err="1"/>
+              <a:t>getIP</a:t>
+            </a:r>
+            <a:r>
+              <a:rPr lang="en-US" altLang="zh-CN" dirty="0"/>
+              <a:t>()` in file `</a:t>
+            </a:r>
+            <a:r>
+              <a:rPr lang="en-US" altLang="zh-CN" dirty="0" err="1"/>
+              <a:t>aario.c</a:t>
+            </a:r>
+            <a:r>
+              <a:rPr lang="en-US" altLang="zh-CN" dirty="0"/>
+              <a:t>` which is included in the file `</a:t>
+            </a:r>
+            <a:r>
+              <a:rPr lang="en-US" altLang="zh-CN" dirty="0" err="1"/>
+              <a:t>jack.c</a:t>
+            </a:r>
+            <a:r>
+              <a:rPr lang="en-US" altLang="zh-CN" dirty="0"/>
+              <a:t>` you are coding.   Can you use it?</a:t>
+            </a:r>
+          </a:p>
+          <a:p>
+            <a:pPr marL="342900" indent="-342900">
+              <a:buFont typeface="+mj-lt"/>
+              <a:buAutoNum type="arabicPeriod"/>
+            </a:pPr>
+            <a:r>
+              <a:rPr lang="en-US" altLang="zh-CN" dirty="0"/>
+              <a:t>There’s a function `</a:t>
+            </a:r>
+            <a:r>
+              <a:rPr lang="en-US" altLang="zh-CN" dirty="0" err="1"/>
+              <a:t>getIP</a:t>
+            </a:r>
+            <a:r>
+              <a:rPr lang="en-US" altLang="zh-CN" dirty="0"/>
+              <a:t>()` in file `</a:t>
+            </a:r>
+            <a:r>
+              <a:rPr lang="en-US" altLang="zh-CN" dirty="0" err="1"/>
+              <a:t>aario.c</a:t>
+            </a:r>
+            <a:r>
+              <a:rPr lang="en-US" altLang="zh-CN" dirty="0"/>
+              <a:t>` which is written by </a:t>
+            </a:r>
+            <a:r>
+              <a:rPr lang="en-US" altLang="zh-CN" dirty="0" err="1"/>
               <a:t>Aario</a:t>
             </a:r>
-            <a:endParaRPr lang="zh-CN" altLang="en-US" dirty="0"/>
+            <a:r>
+              <a:rPr lang="en-US" altLang="zh-CN" dirty="0"/>
+              <a:t>. And you are Jack.  Can you remove the function `</a:t>
+            </a:r>
+            <a:r>
+              <a:rPr lang="en-US" altLang="zh-CN" dirty="0" err="1"/>
+              <a:t>getIP</a:t>
+            </a:r>
+            <a:r>
+              <a:rPr lang="en-US" altLang="zh-CN" dirty="0"/>
+              <a:t>()` in that file?</a:t>
+            </a:r>
+          </a:p>
+          <a:p>
+            <a:pPr marL="342900" indent="-342900">
+              <a:buFont typeface="+mj-lt"/>
+              <a:buAutoNum type="arabicPeriod"/>
+            </a:pPr>
+            <a:r>
+              <a:rPr lang="en-US" altLang="zh-CN" dirty="0"/>
+              <a:t>There’s a variable `</a:t>
+            </a:r>
+            <a:r>
+              <a:rPr lang="en-US" altLang="zh-CN" dirty="0" err="1"/>
+              <a:t>int</a:t>
+            </a:r>
+            <a:r>
+              <a:rPr lang="en-US" altLang="zh-CN" dirty="0"/>
+              <a:t> </a:t>
+            </a:r>
+            <a:r>
+              <a:rPr lang="en-US" altLang="zh-CN" dirty="0" err="1"/>
+              <a:t>ServerID</a:t>
+            </a:r>
+            <a:r>
+              <a:rPr lang="en-US" altLang="zh-CN" dirty="0"/>
+              <a:t> = 10000` you wrote several days ago in file `</a:t>
+            </a:r>
+            <a:r>
+              <a:rPr lang="en-US" altLang="zh-CN" dirty="0" err="1"/>
+              <a:t>jack.c</a:t>
+            </a:r>
+            <a:r>
+              <a:rPr lang="en-US" altLang="zh-CN" dirty="0"/>
+              <a:t>`.  Now you don’t need it. What should you do before removing it?</a:t>
+            </a:r>
+          </a:p>
+          <a:p>
+            <a:pPr marL="342900" indent="-342900">
+              <a:buFont typeface="+mj-lt"/>
+              <a:buAutoNum type="arabicPeriod"/>
+            </a:pPr>
+            <a:r>
+              <a:rPr lang="en-US" altLang="zh-CN" dirty="0"/>
+              <a:t>You’re optimizing a file ‘</a:t>
+            </a:r>
+            <a:r>
+              <a:rPr lang="en-US" altLang="zh-CN" dirty="0" err="1"/>
+              <a:t>Aario.php</a:t>
+            </a:r>
+            <a:r>
+              <a:rPr lang="en-US" altLang="zh-CN" dirty="0"/>
+              <a:t>’ which belongs to your partner. He indents with 2 spaces and you always indent with 4. Can you re-format ‘</a:t>
+            </a:r>
+            <a:r>
+              <a:rPr lang="en-US" altLang="zh-CN" dirty="0" err="1"/>
+              <a:t>Aario.php</a:t>
+            </a:r>
+            <a:r>
+              <a:rPr lang="en-US" altLang="zh-CN" dirty="0"/>
+              <a:t>’? If you really want to reformat it, what should you do?</a:t>
+            </a:r>
           </a:p>
         </p:txBody>
       </p:sp>
     </p:spTree>
     <p:extLst>
       <p:ext uri="{BB962C8B-B14F-4D97-AF65-F5344CB8AC3E}">
-        <p14:creationId xmlns:p14="http://schemas.microsoft.com/office/powerpoint/2010/main" val="3230472458"/>
+        <p14:creationId xmlns:p14="http://schemas.microsoft.com/office/powerpoint/2010/main" val="1782081883"/>
       </p:ext>
     </p:extLst>
   </p:cSld>

--- a/Aario-PPT/20160520 IT - Aario's Code Style Guide.pptx
+++ b/Aario-PPT/20160520 IT - Aario's Code Style Guide.pptx
@@ -3439,6 +3439,22 @@
                 <a:latin typeface="Microsoft JhengHei" panose="020B0604030504040204" pitchFamily="34" charset="-120"/>
                 <a:ea typeface="Microsoft JhengHei" panose="020B0604030504040204" pitchFamily="34" charset="-120"/>
               </a:rPr>
+              <a:t>Done is better </a:t>
+            </a:r>
+            <a:r>
+              <a:rPr lang="en-US" altLang="zh-CN" sz="2800">
+                <a:latin typeface="Microsoft JhengHei" panose="020B0604030504040204" pitchFamily="34" charset="-120"/>
+                <a:ea typeface="Microsoft JhengHei" panose="020B0604030504040204" pitchFamily="34" charset="-120"/>
+              </a:rPr>
+              <a:t>than perfect</a:t>
+            </a:r>
+          </a:p>
+          <a:p>
+            <a:r>
+              <a:rPr lang="en-US" altLang="zh-CN" sz="2800" dirty="0">
+                <a:latin typeface="Microsoft JhengHei" panose="020B0604030504040204" pitchFamily="34" charset="-120"/>
+                <a:ea typeface="Microsoft JhengHei" panose="020B0604030504040204" pitchFamily="34" charset="-120"/>
+              </a:rPr>
               <a:t>Micro and Beautiful  	</a:t>
             </a:r>
             <a:r>
@@ -3514,28 +3530,14 @@
                 <a:latin typeface="Microsoft JhengHei" panose="020B0604030504040204" pitchFamily="34" charset="-120"/>
                 <a:ea typeface="Microsoft JhengHei" panose="020B0604030504040204" pitchFamily="34" charset="-120"/>
               </a:rPr>
-              <a:t>		</a:t>
-            </a:r>
-            <a:r>
-              <a:rPr lang="en-US" altLang="zh-CN" sz="2800">
-                <a:latin typeface="Microsoft JhengHei" panose="020B0604030504040204" pitchFamily="34" charset="-120"/>
-                <a:ea typeface="Microsoft JhengHei" panose="020B0604030504040204" pitchFamily="34" charset="-120"/>
-              </a:rPr>
-              <a:t>	 </a:t>
-            </a:r>
-            <a:r>
-              <a:rPr lang="zh-CN" altLang="en-US" sz="2000">
-                <a:latin typeface="Microsoft JhengHei" panose="020B0604030504040204" pitchFamily="34" charset="-120"/>
-                <a:ea typeface="Microsoft JhengHei" panose="020B0604030504040204" pitchFamily="34" charset="-120"/>
-              </a:rPr>
-              <a:t>模块</a:t>
+              <a:t>			 </a:t>
             </a:r>
             <a:r>
               <a:rPr lang="zh-CN" altLang="en-US" sz="2000" dirty="0">
                 <a:latin typeface="Microsoft JhengHei" panose="020B0604030504040204" pitchFamily="34" charset="-120"/>
                 <a:ea typeface="Microsoft JhengHei" panose="020B0604030504040204" pitchFamily="34" charset="-120"/>
               </a:rPr>
-              <a:t>和接口参数要“宽进严出”</a:t>
+              <a:t>模块和接口参数要“宽进严出”</a:t>
             </a:r>
             <a:endParaRPr lang="en-US" altLang="zh-CN" sz="2000" dirty="0">
               <a:latin typeface="Microsoft JhengHei" panose="020B0604030504040204" pitchFamily="34" charset="-120"/>
